--- a/powerpoint/introduction-course.pptx
+++ b/powerpoint/introduction-course.pptx
@@ -34,6 +34,7 @@
     <p:sldId id="272" r:id="rId29"/>
     <p:sldId id="273" r:id="rId30"/>
     <p:sldId id="274" r:id="rId31"/>
+    <p:sldId id="275" r:id="rId32"/>
   </p:sldIdLst>
   <p:sldSz cx="12192000" cy="6858000"/>
   <p:notesSz cx="7559675" cy="10691813"/>
@@ -70,7 +71,7 @@
         <p:spPr>
           <a:xfrm>
             <a:off x="838080" y="365040"/>
-            <a:ext cx="10514520" cy="1324440"/>
+            <a:ext cx="10514160" cy="1324080"/>
           </a:xfrm>
           <a:prstGeom prst="rect">
             <a:avLst/>
@@ -110,7 +111,7 @@
         <p:spPr>
           <a:xfrm>
             <a:off x="838080" y="1825560"/>
-            <a:ext cx="10514520" cy="4350240"/>
+            <a:ext cx="10514160" cy="4349880"/>
           </a:xfrm>
           <a:prstGeom prst="rect">
             <a:avLst/>
@@ -171,7 +172,7 @@
         <p:txBody>
           <a:bodyPr/>
           <a:p>
-            <a:fld id="{9ED29EE1-ACF3-4F63-93C4-057FEF8063CD}" type="slidenum">
+            <a:fld id="{9AF191BD-9E92-4325-9F56-9336E45EC0D6}" type="slidenum">
               <a:t>&lt;#&gt;</a:t>
             </a:fld>
           </a:p>
@@ -254,7 +255,7 @@
         <p:txBody>
           <a:bodyPr/>
           <a:p>
-            <a:fld id="{977E0862-0390-47E6-990A-46D4E04E4AE0}" type="slidenum">
+            <a:fld id="{A34C52BC-D767-46CE-9904-94A8EBF73B8C}" type="slidenum">
               <a:t>&lt;#&gt;</a:t>
             </a:fld>
           </a:p>
@@ -337,7 +338,7 @@
         <p:txBody>
           <a:bodyPr/>
           <a:p>
-            <a:fld id="{3B80E796-4F97-43D4-85F5-71528EF96EBD}" type="slidenum">
+            <a:fld id="{61F12237-4FEB-428D-AE77-A55D06800FDC}" type="slidenum">
               <a:t>&lt;#&gt;</a:t>
             </a:fld>
           </a:p>
@@ -420,7 +421,7 @@
         <p:txBody>
           <a:bodyPr/>
           <a:p>
-            <a:fld id="{03B230ED-983D-4E27-896D-979A69B62D61}" type="slidenum">
+            <a:fld id="{91560F2D-1967-4E30-B1FB-467E7B11A79C}" type="slidenum">
               <a:t>&lt;#&gt;</a:t>
             </a:fld>
           </a:p>
@@ -503,7 +504,7 @@
         <p:txBody>
           <a:bodyPr/>
           <a:p>
-            <a:fld id="{BE17FBF3-1685-4EFB-9593-1EB81D9F8887}" type="slidenum">
+            <a:fld id="{30B3DB5C-D477-4E67-BCBB-E780F18327D4}" type="slidenum">
               <a:t>&lt;#&gt;</a:t>
             </a:fld>
           </a:p>
@@ -565,7 +566,7 @@
         <p:spPr>
           <a:xfrm>
             <a:off x="838080" y="365040"/>
-            <a:ext cx="10514520" cy="1324440"/>
+            <a:ext cx="10514160" cy="1324080"/>
           </a:xfrm>
           <a:prstGeom prst="rect">
             <a:avLst/>
@@ -605,7 +606,7 @@
         <p:spPr>
           <a:xfrm>
             <a:off x="838080" y="1825560"/>
-            <a:ext cx="10514520" cy="4350240"/>
+            <a:ext cx="10514160" cy="4349880"/>
           </a:xfrm>
           <a:prstGeom prst="rect">
             <a:avLst/>
@@ -669,7 +670,7 @@
         <p:txBody>
           <a:bodyPr/>
           <a:p>
-            <a:fld id="{8BA0B71F-391A-43D8-92E7-48EAB726A11C}" type="slidenum">
+            <a:fld id="{D9760A71-0F9A-4A03-8580-6EE1C6312F80}" type="slidenum">
               <a:t>&lt;#&gt;</a:t>
             </a:fld>
           </a:p>
@@ -752,7 +753,7 @@
         <p:txBody>
           <a:bodyPr/>
           <a:p>
-            <a:fld id="{B661E0AC-83C7-4D63-A831-4F9AC15763D5}" type="slidenum">
+            <a:fld id="{3154D1F3-877A-4575-8A6E-E79D1C152126}" type="slidenum">
               <a:t>&lt;#&gt;</a:t>
             </a:fld>
           </a:p>
@@ -814,7 +815,7 @@
         <p:spPr>
           <a:xfrm>
             <a:off x="838080" y="365040"/>
-            <a:ext cx="10514520" cy="1324440"/>
+            <a:ext cx="10514160" cy="1324080"/>
           </a:xfrm>
           <a:prstGeom prst="rect">
             <a:avLst/>
@@ -854,7 +855,7 @@
         <p:spPr>
           <a:xfrm>
             <a:off x="838080" y="1825560"/>
-            <a:ext cx="5131080" cy="4350240"/>
+            <a:ext cx="5130720" cy="4349880"/>
           </a:xfrm>
           <a:prstGeom prst="rect">
             <a:avLst/>
@@ -896,8 +897,8 @@
         </p:nvSpPr>
         <p:spPr>
           <a:xfrm>
-            <a:off x="6226200" y="1825560"/>
-            <a:ext cx="5131080" cy="4350240"/>
+            <a:off x="6225840" y="1825560"/>
+            <a:ext cx="5130720" cy="4349880"/>
           </a:xfrm>
           <a:prstGeom prst="rect">
             <a:avLst/>
@@ -961,7 +962,7 @@
         <p:txBody>
           <a:bodyPr/>
           <a:p>
-            <a:fld id="{6B5AF7D8-D0C4-467A-8790-4260D887E1B7}" type="slidenum">
+            <a:fld id="{44117936-ACA5-43F9-A76B-164050A7BB00}" type="slidenum">
               <a:t>&lt;#&gt;</a:t>
             </a:fld>
           </a:p>
@@ -1044,7 +1045,7 @@
         <p:txBody>
           <a:bodyPr/>
           <a:p>
-            <a:fld id="{C91A6CAB-DD06-4D99-95FF-15C843D4E8A1}" type="slidenum">
+            <a:fld id="{D4D17EF7-AA52-4D29-95CE-2E7D3069DE7A}" type="slidenum">
               <a:t>&lt;#&gt;</a:t>
             </a:fld>
           </a:p>
@@ -1106,7 +1107,7 @@
         <p:spPr>
           <a:xfrm>
             <a:off x="838080" y="365040"/>
-            <a:ext cx="10514520" cy="1324440"/>
+            <a:ext cx="10514160" cy="1324080"/>
           </a:xfrm>
           <a:prstGeom prst="rect">
             <a:avLst/>
@@ -1167,7 +1168,7 @@
         <p:txBody>
           <a:bodyPr/>
           <a:p>
-            <a:fld id="{D0EACD4A-D717-4A61-991A-DABBBEF651D8}" type="slidenum">
+            <a:fld id="{84A16AB0-CBBE-44C4-BD78-537A205A4E7D}" type="slidenum">
               <a:t>&lt;#&gt;</a:t>
             </a:fld>
           </a:p>
@@ -1250,7 +1251,7 @@
         <p:txBody>
           <a:bodyPr/>
           <a:p>
-            <a:fld id="{5378640E-84C6-4695-8B5F-51B0A3B1D562}" type="slidenum">
+            <a:fld id="{DD1A7220-49C8-456E-9BE0-4BB298D4A123}" type="slidenum">
               <a:t>&lt;#&gt;</a:t>
             </a:fld>
           </a:p>
@@ -1319,7 +1320,7 @@
         <p:spPr>
           <a:xfrm>
             <a:off x="838080" y="365040"/>
-            <a:ext cx="10514520" cy="1324440"/>
+            <a:ext cx="10514160" cy="1324080"/>
           </a:xfrm>
           <a:prstGeom prst="rect">
             <a:avLst/>
@@ -1344,7 +1345,7 @@
                 </a:solidFill>
                 <a:latin typeface="Arial"/>
               </a:rPr>
-              <a:t>Pulse para editar el formato del texto de título</a:t>
+              <a:t>Click to edit the title text format</a:t>
             </a:r>
             <a:endParaRPr b="0" lang="es-ES" sz="1800" spc="-1" strike="noStrike">
               <a:solidFill>
@@ -1368,7 +1369,7 @@
         <p:spPr>
           <a:xfrm>
             <a:off x="4038480" y="6356520"/>
-            <a:ext cx="4113720" cy="363960"/>
+            <a:ext cx="4113360" cy="363600"/>
           </a:xfrm>
           <a:prstGeom prst="rect">
             <a:avLst/>
@@ -1416,7 +1417,7 @@
                 </a:solidFill>
                 <a:latin typeface="Times New Roman"/>
               </a:rPr>
-              <a:t>&lt;pie de página&gt;</a:t>
+              <a:t>&lt;footer&gt;</a:t>
             </a:r>
             <a:endParaRPr b="0" lang="es-ES" sz="1400" spc="-1" strike="noStrike">
               <a:solidFill>
@@ -1440,7 +1441,7 @@
         <p:spPr>
           <a:xfrm>
             <a:off x="8610480" y="6356520"/>
-            <a:ext cx="2742120" cy="363960"/>
+            <a:ext cx="2741760" cy="363600"/>
           </a:xfrm>
           <a:prstGeom prst="rect">
             <a:avLst/>
@@ -1483,7 +1484,7 @@
                 <a:tab algn="l" pos="0"/>
               </a:tabLst>
             </a:pPr>
-            <a:fld id="{F085CAD8-66A7-4152-A8E1-5867D2BC7887}" type="slidenum">
+            <a:fld id="{EBC68DE4-EE8F-4E3B-888C-D4F60347F0AC}" type="slidenum">
               <a:rPr b="0" lang="es-AR" sz="1200" spc="-1" strike="noStrike">
                 <a:solidFill>
                   <a:schemeClr val="dk1">
@@ -1492,7 +1493,7 @@
                 </a:solidFill>
                 <a:latin typeface="Calibri"/>
               </a:rPr>
-              <a:t>&lt;número&gt;</a:t>
+              <a:t>&lt;number&gt;</a:t>
             </a:fld>
             <a:endParaRPr b="0" lang="es-ES" sz="1200" spc="-1" strike="noStrike">
               <a:solidFill>
@@ -1516,7 +1517,7 @@
         <p:spPr>
           <a:xfrm>
             <a:off x="838080" y="6356520"/>
-            <a:ext cx="2742120" cy="363960"/>
+            <a:ext cx="2741760" cy="363600"/>
           </a:xfrm>
           <a:prstGeom prst="rect">
             <a:avLst/>
@@ -1552,7 +1553,7 @@
                 </a:solidFill>
                 <a:latin typeface="Times New Roman"/>
               </a:rPr>
-              <a:t>&lt;fecha/hora&gt;</a:t>
+              <a:t>&lt;date/time&gt;</a:t>
             </a:r>
             <a:endParaRPr b="0" lang="es-ES" sz="1400" spc="-1" strike="noStrike">
               <a:solidFill>
@@ -1609,7 +1610,7 @@
                 </a:solidFill>
                 <a:latin typeface="Arial"/>
               </a:rPr>
-              <a:t>Pulse para editar el formato de texto del esquema</a:t>
+              <a:t>Click to edit the outline text format</a:t>
             </a:r>
             <a:endParaRPr b="0" lang="es-ES" sz="3200" spc="-1" strike="noStrike">
               <a:solidFill>
@@ -1637,7 +1638,7 @@
                 </a:solidFill>
                 <a:latin typeface="Arial"/>
               </a:rPr>
-              <a:t>Segundo nivel del esquema</a:t>
+              <a:t>Second Outline Level</a:t>
             </a:r>
             <a:endParaRPr b="0" lang="es-ES" sz="2800" spc="-1" strike="noStrike">
               <a:solidFill>
@@ -1665,7 +1666,7 @@
                 </a:solidFill>
                 <a:latin typeface="Arial"/>
               </a:rPr>
-              <a:t>Tercer nivel del esquema</a:t>
+              <a:t>Third Outline Level</a:t>
             </a:r>
             <a:endParaRPr b="0" lang="es-ES" sz="2400" spc="-1" strike="noStrike">
               <a:solidFill>
@@ -1693,7 +1694,7 @@
                 </a:solidFill>
                 <a:latin typeface="Arial"/>
               </a:rPr>
-              <a:t>Cuarto nivel del esquema</a:t>
+              <a:t>Fourth Outline Level</a:t>
             </a:r>
             <a:endParaRPr b="0" lang="es-ES" sz="2000" spc="-1" strike="noStrike">
               <a:solidFill>
@@ -1721,7 +1722,7 @@
                 </a:solidFill>
                 <a:latin typeface="Arial"/>
               </a:rPr>
-              <a:t>Quinto nivel del esquema</a:t>
+              <a:t>Fifth Outline Level</a:t>
             </a:r>
             <a:endParaRPr b="0" lang="es-ES" sz="2000" spc="-1" strike="noStrike">
               <a:solidFill>
@@ -1749,7 +1750,7 @@
                 </a:solidFill>
                 <a:latin typeface="Arial"/>
               </a:rPr>
-              <a:t>Sexto nivel del esquema</a:t>
+              <a:t>Sixth Outline Level</a:t>
             </a:r>
             <a:endParaRPr b="0" lang="es-ES" sz="2000" spc="-1" strike="noStrike">
               <a:solidFill>
@@ -1777,7 +1778,7 @@
                 </a:solidFill>
                 <a:latin typeface="Arial"/>
               </a:rPr>
-              <a:t>Séptimo nivel del esquema</a:t>
+              <a:t>Seventh Outline Level</a:t>
             </a:r>
             <a:endParaRPr b="0" lang="es-ES" sz="2000" spc="-1" strike="noStrike">
               <a:solidFill>
@@ -1834,7 +1835,7 @@
         <p:spPr>
           <a:xfrm>
             <a:off x="4038480" y="6356520"/>
-            <a:ext cx="4113720" cy="363960"/>
+            <a:ext cx="4113360" cy="363600"/>
           </a:xfrm>
           <a:prstGeom prst="rect">
             <a:avLst/>
@@ -1882,7 +1883,7 @@
                 </a:solidFill>
                 <a:latin typeface="Times New Roman"/>
               </a:rPr>
-              <a:t>&lt;pie de página&gt;</a:t>
+              <a:t>&lt;footer&gt;</a:t>
             </a:r>
             <a:endParaRPr b="0" lang="es-ES" sz="1400" spc="-1" strike="noStrike">
               <a:solidFill>
@@ -1906,7 +1907,7 @@
         <p:spPr>
           <a:xfrm>
             <a:off x="8610480" y="6356520"/>
-            <a:ext cx="2742120" cy="363960"/>
+            <a:ext cx="2741760" cy="363600"/>
           </a:xfrm>
           <a:prstGeom prst="rect">
             <a:avLst/>
@@ -1949,7 +1950,7 @@
                 <a:tab algn="l" pos="0"/>
               </a:tabLst>
             </a:pPr>
-            <a:fld id="{09B048F1-05B2-4793-A313-EFD21E9AA8D4}" type="slidenum">
+            <a:fld id="{F0BE8980-DA13-4A07-953A-3E9F790281D9}" type="slidenum">
               <a:rPr b="0" lang="es-AR" sz="1200" spc="-1" strike="noStrike">
                 <a:solidFill>
                   <a:schemeClr val="dk1">
@@ -1958,7 +1959,7 @@
                 </a:solidFill>
                 <a:latin typeface="Calibri"/>
               </a:rPr>
-              <a:t>&lt;número&gt;</a:t>
+              <a:t>&lt;number&gt;</a:t>
             </a:fld>
             <a:endParaRPr b="0" lang="es-ES" sz="1200" spc="-1" strike="noStrike">
               <a:solidFill>
@@ -1982,7 +1983,7 @@
         <p:spPr>
           <a:xfrm>
             <a:off x="838080" y="6356520"/>
-            <a:ext cx="2742120" cy="363960"/>
+            <a:ext cx="2741760" cy="363600"/>
           </a:xfrm>
           <a:prstGeom prst="rect">
             <a:avLst/>
@@ -2018,7 +2019,7 @@
                 </a:solidFill>
                 <a:latin typeface="Times New Roman"/>
               </a:rPr>
-              <a:t>&lt;fecha/hora&gt;</a:t>
+              <a:t>&lt;date/time&gt;</a:t>
             </a:r>
             <a:endParaRPr b="0" lang="es-ES" sz="1400" spc="-1" strike="noStrike">
               <a:solidFill>
@@ -2075,7 +2076,7 @@
         <p:spPr>
           <a:xfrm>
             <a:off x="4038480" y="6356520"/>
-            <a:ext cx="4113720" cy="363960"/>
+            <a:ext cx="4113360" cy="363600"/>
           </a:xfrm>
           <a:prstGeom prst="rect">
             <a:avLst/>
@@ -2123,7 +2124,7 @@
                 </a:solidFill>
                 <a:latin typeface="Times New Roman"/>
               </a:rPr>
-              <a:t>&lt;pie de página&gt;</a:t>
+              <a:t>&lt;footer&gt;</a:t>
             </a:r>
             <a:endParaRPr b="0" lang="es-ES" sz="1400" spc="-1" strike="noStrike">
               <a:solidFill>
@@ -2147,7 +2148,7 @@
         <p:spPr>
           <a:xfrm>
             <a:off x="8610480" y="6356520"/>
-            <a:ext cx="2742120" cy="363960"/>
+            <a:ext cx="2741760" cy="363600"/>
           </a:xfrm>
           <a:prstGeom prst="rect">
             <a:avLst/>
@@ -2190,7 +2191,7 @@
                 <a:tab algn="l" pos="0"/>
               </a:tabLst>
             </a:pPr>
-            <a:fld id="{E2A634AB-52FD-4683-AC36-8D9674AE827D}" type="slidenum">
+            <a:fld id="{AD5B94C4-C2DD-4AD0-A798-0A828D3A7214}" type="slidenum">
               <a:rPr b="0" lang="es-AR" sz="1200" spc="-1" strike="noStrike">
                 <a:solidFill>
                   <a:schemeClr val="dk1">
@@ -2199,7 +2200,7 @@
                 </a:solidFill>
                 <a:latin typeface="Calibri"/>
               </a:rPr>
-              <a:t>&lt;número&gt;</a:t>
+              <a:t>&lt;number&gt;</a:t>
             </a:fld>
             <a:endParaRPr b="0" lang="es-ES" sz="1200" spc="-1" strike="noStrike">
               <a:solidFill>
@@ -2223,7 +2224,7 @@
         <p:spPr>
           <a:xfrm>
             <a:off x="838080" y="6356520"/>
-            <a:ext cx="2742120" cy="363960"/>
+            <a:ext cx="2741760" cy="363600"/>
           </a:xfrm>
           <a:prstGeom prst="rect">
             <a:avLst/>
@@ -2259,7 +2260,7 @@
                 </a:solidFill>
                 <a:latin typeface="Times New Roman"/>
               </a:rPr>
-              <a:t>&lt;fecha/hora&gt;</a:t>
+              <a:t>&lt;date/time&gt;</a:t>
             </a:r>
             <a:endParaRPr b="0" lang="es-ES" sz="1400" spc="-1" strike="noStrike">
               <a:solidFill>
@@ -2316,7 +2317,7 @@
         <p:spPr>
           <a:xfrm>
             <a:off x="4038480" y="6356520"/>
-            <a:ext cx="4113720" cy="363960"/>
+            <a:ext cx="4113360" cy="363600"/>
           </a:xfrm>
           <a:prstGeom prst="rect">
             <a:avLst/>
@@ -2364,7 +2365,7 @@
                 </a:solidFill>
                 <a:latin typeface="Times New Roman"/>
               </a:rPr>
-              <a:t>&lt;pie de página&gt;</a:t>
+              <a:t>&lt;footer&gt;</a:t>
             </a:r>
             <a:endParaRPr b="0" lang="es-ES" sz="1400" spc="-1" strike="noStrike">
               <a:solidFill>
@@ -2388,7 +2389,7 @@
         <p:spPr>
           <a:xfrm>
             <a:off x="8610480" y="6356520"/>
-            <a:ext cx="2742120" cy="363960"/>
+            <a:ext cx="2741760" cy="363600"/>
           </a:xfrm>
           <a:prstGeom prst="rect">
             <a:avLst/>
@@ -2431,7 +2432,7 @@
                 <a:tab algn="l" pos="0"/>
               </a:tabLst>
             </a:pPr>
-            <a:fld id="{3725EE06-070F-4F8B-AF27-E12B312C04D8}" type="slidenum">
+            <a:fld id="{83A271A7-9870-4C0E-A395-F21AFB8A76DD}" type="slidenum">
               <a:rPr b="0" lang="es-AR" sz="1200" spc="-1" strike="noStrike">
                 <a:solidFill>
                   <a:schemeClr val="dk1">
@@ -2440,7 +2441,7 @@
                 </a:solidFill>
                 <a:latin typeface="Calibri"/>
               </a:rPr>
-              <a:t>&lt;número&gt;</a:t>
+              <a:t>&lt;number&gt;</a:t>
             </a:fld>
             <a:endParaRPr b="0" lang="es-ES" sz="1200" spc="-1" strike="noStrike">
               <a:solidFill>
@@ -2464,7 +2465,7 @@
         <p:spPr>
           <a:xfrm>
             <a:off x="838080" y="6356520"/>
-            <a:ext cx="2742120" cy="363960"/>
+            <a:ext cx="2741760" cy="363600"/>
           </a:xfrm>
           <a:prstGeom prst="rect">
             <a:avLst/>
@@ -2500,7 +2501,7 @@
                 </a:solidFill>
                 <a:latin typeface="Times New Roman"/>
               </a:rPr>
-              <a:t>&lt;fecha/hora&gt;</a:t>
+              <a:t>&lt;date/time&gt;</a:t>
             </a:r>
             <a:endParaRPr b="0" lang="es-ES" sz="1400" spc="-1" strike="noStrike">
               <a:solidFill>
@@ -2557,7 +2558,7 @@
         <p:spPr>
           <a:xfrm>
             <a:off x="4038480" y="6356520"/>
-            <a:ext cx="4113720" cy="363960"/>
+            <a:ext cx="4113360" cy="363600"/>
           </a:xfrm>
           <a:prstGeom prst="rect">
             <a:avLst/>
@@ -2605,7 +2606,7 @@
                 </a:solidFill>
                 <a:latin typeface="Times New Roman"/>
               </a:rPr>
-              <a:t>&lt;pie de página&gt;</a:t>
+              <a:t>&lt;footer&gt;</a:t>
             </a:r>
             <a:endParaRPr b="0" lang="es-ES" sz="1400" spc="-1" strike="noStrike">
               <a:solidFill>
@@ -2629,7 +2630,7 @@
         <p:spPr>
           <a:xfrm>
             <a:off x="8610480" y="6356520"/>
-            <a:ext cx="2742120" cy="363960"/>
+            <a:ext cx="2741760" cy="363600"/>
           </a:xfrm>
           <a:prstGeom prst="rect">
             <a:avLst/>
@@ -2672,7 +2673,7 @@
                 <a:tab algn="l" pos="0"/>
               </a:tabLst>
             </a:pPr>
-            <a:fld id="{D1224C3B-73B0-4D3B-BC21-682828ADE6DC}" type="slidenum">
+            <a:fld id="{AC607CF3-2FA3-4BCE-A99F-9DA449FBB916}" type="slidenum">
               <a:rPr b="0" lang="es-AR" sz="1200" spc="-1" strike="noStrike">
                 <a:solidFill>
                   <a:schemeClr val="dk1">
@@ -2681,7 +2682,7 @@
                 </a:solidFill>
                 <a:latin typeface="Calibri"/>
               </a:rPr>
-              <a:t>&lt;número&gt;</a:t>
+              <a:t>&lt;number&gt;</a:t>
             </a:fld>
             <a:endParaRPr b="0" lang="es-ES" sz="1200" spc="-1" strike="noStrike">
               <a:solidFill>
@@ -2705,7 +2706,7 @@
         <p:spPr>
           <a:xfrm>
             <a:off x="838080" y="6356520"/>
-            <a:ext cx="2742120" cy="363960"/>
+            <a:ext cx="2741760" cy="363600"/>
           </a:xfrm>
           <a:prstGeom prst="rect">
             <a:avLst/>
@@ -2741,7 +2742,7 @@
                 </a:solidFill>
                 <a:latin typeface="Times New Roman"/>
               </a:rPr>
-              <a:t>&lt;fecha/hora&gt;</a:t>
+              <a:t>&lt;date/time&gt;</a:t>
             </a:r>
             <a:endParaRPr b="0" lang="es-ES" sz="1400" spc="-1" strike="noStrike">
               <a:solidFill>
@@ -2798,7 +2799,7 @@
         <p:spPr>
           <a:xfrm>
             <a:off x="838080" y="365040"/>
-            <a:ext cx="10514520" cy="1324440"/>
+            <a:ext cx="10514160" cy="1324080"/>
           </a:xfrm>
           <a:prstGeom prst="rect">
             <a:avLst/>
@@ -2823,7 +2824,7 @@
                 </a:solidFill>
                 <a:latin typeface="Arial"/>
               </a:rPr>
-              <a:t>Pulse para editar el formato del texto de título</a:t>
+              <a:t>Click to edit the title text format</a:t>
             </a:r>
             <a:endParaRPr b="0" lang="es-ES" sz="1800" spc="-1" strike="noStrike">
               <a:solidFill>
@@ -2847,7 +2848,7 @@
         <p:spPr>
           <a:xfrm>
             <a:off x="838080" y="1825560"/>
-            <a:ext cx="10514520" cy="4350240"/>
+            <a:ext cx="10514160" cy="4349880"/>
           </a:xfrm>
           <a:prstGeom prst="rect">
             <a:avLst/>
@@ -2880,7 +2881,7 @@
                 </a:solidFill>
                 <a:latin typeface="Arial"/>
               </a:rPr>
-              <a:t>Pulse para editar el formato de texto del esquema</a:t>
+              <a:t>Click to edit the outline text format</a:t>
             </a:r>
             <a:endParaRPr b="0" lang="es-ES" sz="1800" spc="-1" strike="noStrike">
               <a:solidFill>
@@ -2908,7 +2909,7 @@
                 </a:solidFill>
                 <a:latin typeface="Arial"/>
               </a:rPr>
-              <a:t>Segundo nivel del esquema</a:t>
+              <a:t>Second Outline Level</a:t>
             </a:r>
             <a:endParaRPr b="0" lang="es-ES" sz="1800" spc="-1" strike="noStrike">
               <a:solidFill>
@@ -2936,7 +2937,7 @@
                 </a:solidFill>
                 <a:latin typeface="Arial"/>
               </a:rPr>
-              <a:t>Tercer nivel del esquema</a:t>
+              <a:t>Third Outline Level</a:t>
             </a:r>
             <a:endParaRPr b="0" lang="es-ES" sz="1800" spc="-1" strike="noStrike">
               <a:solidFill>
@@ -2964,7 +2965,7 @@
                 </a:solidFill>
                 <a:latin typeface="Arial"/>
               </a:rPr>
-              <a:t>Cuarto nivel del esquema</a:t>
+              <a:t>Fourth Outline Level</a:t>
             </a:r>
             <a:endParaRPr b="0" lang="es-ES" sz="1800" spc="-1" strike="noStrike">
               <a:solidFill>
@@ -2992,7 +2993,7 @@
                 </a:solidFill>
                 <a:latin typeface="Arial"/>
               </a:rPr>
-              <a:t>Quinto nivel del esquema</a:t>
+              <a:t>Fifth Outline Level</a:t>
             </a:r>
             <a:endParaRPr b="0" lang="es-ES" sz="1800" spc="-1" strike="noStrike">
               <a:solidFill>
@@ -3020,7 +3021,7 @@
                 </a:solidFill>
                 <a:latin typeface="Arial"/>
               </a:rPr>
-              <a:t>Sexto nivel del esquema</a:t>
+              <a:t>Sixth Outline Level</a:t>
             </a:r>
             <a:endParaRPr b="0" lang="es-ES" sz="1800" spc="-1" strike="noStrike">
               <a:solidFill>
@@ -3048,7 +3049,7 @@
                 </a:solidFill>
                 <a:latin typeface="Arial"/>
               </a:rPr>
-              <a:t>Séptimo nivel del esquema</a:t>
+              <a:t>Seventh Outline Level</a:t>
             </a:r>
             <a:endParaRPr b="0" lang="es-ES" sz="1800" spc="-1" strike="noStrike">
               <a:solidFill>
@@ -3072,7 +3073,7 @@
         <p:spPr>
           <a:xfrm>
             <a:off x="4038480" y="6356520"/>
-            <a:ext cx="4113720" cy="363960"/>
+            <a:ext cx="4113360" cy="363600"/>
           </a:xfrm>
           <a:prstGeom prst="rect">
             <a:avLst/>
@@ -3120,7 +3121,7 @@
                 </a:solidFill>
                 <a:latin typeface="Times New Roman"/>
               </a:rPr>
-              <a:t>&lt;pie de página&gt;</a:t>
+              <a:t>&lt;footer&gt;</a:t>
             </a:r>
             <a:endParaRPr b="0" lang="es-ES" sz="1400" spc="-1" strike="noStrike">
               <a:solidFill>
@@ -3144,7 +3145,7 @@
         <p:spPr>
           <a:xfrm>
             <a:off x="8610480" y="6356520"/>
-            <a:ext cx="2742120" cy="363960"/>
+            <a:ext cx="2741760" cy="363600"/>
           </a:xfrm>
           <a:prstGeom prst="rect">
             <a:avLst/>
@@ -3187,7 +3188,7 @@
                 <a:tab algn="l" pos="0"/>
               </a:tabLst>
             </a:pPr>
-            <a:fld id="{9A756B22-766E-4DFB-BFD3-0639E1F3BBD2}" type="slidenum">
+            <a:fld id="{53CCE12F-E831-4647-B298-3BDCEB2661F5}" type="slidenum">
               <a:rPr b="0" lang="es-AR" sz="1200" spc="-1" strike="noStrike">
                 <a:solidFill>
                   <a:schemeClr val="dk1">
@@ -3196,7 +3197,7 @@
                 </a:solidFill>
                 <a:latin typeface="Calibri"/>
               </a:rPr>
-              <a:t>&lt;número&gt;</a:t>
+              <a:t>&lt;number&gt;</a:t>
             </a:fld>
             <a:endParaRPr b="0" lang="es-ES" sz="1200" spc="-1" strike="noStrike">
               <a:solidFill>
@@ -3220,7 +3221,7 @@
         <p:spPr>
           <a:xfrm>
             <a:off x="838080" y="6356520"/>
-            <a:ext cx="2742120" cy="363960"/>
+            <a:ext cx="2741760" cy="363600"/>
           </a:xfrm>
           <a:prstGeom prst="rect">
             <a:avLst/>
@@ -3256,7 +3257,7 @@
                 </a:solidFill>
                 <a:latin typeface="Times New Roman"/>
               </a:rPr>
-              <a:t>&lt;fecha/hora&gt;</a:t>
+              <a:t>&lt;date/time&gt;</a:t>
             </a:r>
             <a:endParaRPr b="0" lang="es-ES" sz="1400" spc="-1" strike="noStrike">
               <a:solidFill>
@@ -3313,7 +3314,7 @@
         <p:spPr>
           <a:xfrm>
             <a:off x="4038480" y="6356520"/>
-            <a:ext cx="4113720" cy="363960"/>
+            <a:ext cx="4113360" cy="363600"/>
           </a:xfrm>
           <a:prstGeom prst="rect">
             <a:avLst/>
@@ -3361,7 +3362,7 @@
                 </a:solidFill>
                 <a:latin typeface="Times New Roman"/>
               </a:rPr>
-              <a:t>&lt;pie de página&gt;</a:t>
+              <a:t>&lt;footer&gt;</a:t>
             </a:r>
             <a:endParaRPr b="0" lang="es-ES" sz="1400" spc="-1" strike="noStrike">
               <a:solidFill>
@@ -3385,7 +3386,7 @@
         <p:spPr>
           <a:xfrm>
             <a:off x="8610480" y="6356520"/>
-            <a:ext cx="2742120" cy="363960"/>
+            <a:ext cx="2741760" cy="363600"/>
           </a:xfrm>
           <a:prstGeom prst="rect">
             <a:avLst/>
@@ -3428,7 +3429,7 @@
                 <a:tab algn="l" pos="0"/>
               </a:tabLst>
             </a:pPr>
-            <a:fld id="{85883D41-A754-4FF6-82A8-442A9121C80C}" type="slidenum">
+            <a:fld id="{AF9A03F5-72C6-4B4B-A001-2F100285FD34}" type="slidenum">
               <a:rPr b="0" lang="es-AR" sz="1200" spc="-1" strike="noStrike">
                 <a:solidFill>
                   <a:schemeClr val="dk1">
@@ -3437,7 +3438,7 @@
                 </a:solidFill>
                 <a:latin typeface="Calibri"/>
               </a:rPr>
-              <a:t>&lt;número&gt;</a:t>
+              <a:t>&lt;number&gt;</a:t>
             </a:fld>
             <a:endParaRPr b="0" lang="es-ES" sz="1200" spc="-1" strike="noStrike">
               <a:solidFill>
@@ -3461,7 +3462,7 @@
         <p:spPr>
           <a:xfrm>
             <a:off x="838080" y="6356520"/>
-            <a:ext cx="2742120" cy="363960"/>
+            <a:ext cx="2741760" cy="363600"/>
           </a:xfrm>
           <a:prstGeom prst="rect">
             <a:avLst/>
@@ -3497,7 +3498,7 @@
                 </a:solidFill>
                 <a:latin typeface="Times New Roman"/>
               </a:rPr>
-              <a:t>&lt;fecha/hora&gt;</a:t>
+              <a:t>&lt;date/time&gt;</a:t>
             </a:r>
             <a:endParaRPr b="0" lang="es-ES" sz="1400" spc="-1" strike="noStrike">
               <a:solidFill>
@@ -3554,7 +3555,7 @@
         <p:spPr>
           <a:xfrm>
             <a:off x="838080" y="365040"/>
-            <a:ext cx="10514520" cy="1324440"/>
+            <a:ext cx="10514160" cy="1324080"/>
           </a:xfrm>
           <a:prstGeom prst="rect">
             <a:avLst/>
@@ -3579,7 +3580,7 @@
                 </a:solidFill>
                 <a:latin typeface="Arial"/>
               </a:rPr>
-              <a:t>Pulse para editar el formato del texto de título</a:t>
+              <a:t>Click to edit the title text format</a:t>
             </a:r>
             <a:endParaRPr b="0" lang="es-ES" sz="1800" spc="-1" strike="noStrike">
               <a:solidFill>
@@ -3603,7 +3604,7 @@
         <p:spPr>
           <a:xfrm>
             <a:off x="838080" y="1825560"/>
-            <a:ext cx="5130720" cy="4350240"/>
+            <a:ext cx="5130720" cy="4349880"/>
           </a:xfrm>
           <a:prstGeom prst="rect">
             <a:avLst/>
@@ -3636,7 +3637,7 @@
                 </a:solidFill>
                 <a:latin typeface="Arial"/>
               </a:rPr>
-              <a:t>Pulse para editar el formato de texto del esquema</a:t>
+              <a:t>Click to edit the outline text format</a:t>
             </a:r>
             <a:endParaRPr b="0" lang="es-ES" sz="1800" spc="-1" strike="noStrike">
               <a:solidFill>
@@ -3664,7 +3665,7 @@
                 </a:solidFill>
                 <a:latin typeface="Arial"/>
               </a:rPr>
-              <a:t>Segundo nivel del esquema</a:t>
+              <a:t>Second Outline Level</a:t>
             </a:r>
             <a:endParaRPr b="0" lang="es-ES" sz="1800" spc="-1" strike="noStrike">
               <a:solidFill>
@@ -3692,7 +3693,7 @@
                 </a:solidFill>
                 <a:latin typeface="Arial"/>
               </a:rPr>
-              <a:t>Tercer nivel del esquema</a:t>
+              <a:t>Third Outline Level</a:t>
             </a:r>
             <a:endParaRPr b="0" lang="es-ES" sz="1800" spc="-1" strike="noStrike">
               <a:solidFill>
@@ -3720,7 +3721,7 @@
                 </a:solidFill>
                 <a:latin typeface="Arial"/>
               </a:rPr>
-              <a:t>Cuarto nivel del esquema</a:t>
+              <a:t>Fourth Outline Level</a:t>
             </a:r>
             <a:endParaRPr b="0" lang="es-ES" sz="1800" spc="-1" strike="noStrike">
               <a:solidFill>
@@ -3748,7 +3749,7 @@
                 </a:solidFill>
                 <a:latin typeface="Arial"/>
               </a:rPr>
-              <a:t>Quinto nivel del esquema</a:t>
+              <a:t>Fifth Outline Level</a:t>
             </a:r>
             <a:endParaRPr b="0" lang="es-ES" sz="1800" spc="-1" strike="noStrike">
               <a:solidFill>
@@ -3776,7 +3777,7 @@
                 </a:solidFill>
                 <a:latin typeface="Arial"/>
               </a:rPr>
-              <a:t>Sexto nivel del esquema</a:t>
+              <a:t>Sixth Outline Level</a:t>
             </a:r>
             <a:endParaRPr b="0" lang="es-ES" sz="1800" spc="-1" strike="noStrike">
               <a:solidFill>
@@ -3804,7 +3805,7 @@
                 </a:solidFill>
                 <a:latin typeface="Arial"/>
               </a:rPr>
-              <a:t>Séptimo nivel del esquema</a:t>
+              <a:t>Seventh Outline Level</a:t>
             </a:r>
             <a:endParaRPr b="0" lang="es-ES" sz="1800" spc="-1" strike="noStrike">
               <a:solidFill>
@@ -3828,7 +3829,7 @@
         <p:spPr>
           <a:xfrm>
             <a:off x="6226200" y="1825560"/>
-            <a:ext cx="5130720" cy="4350240"/>
+            <a:ext cx="5130720" cy="4349880"/>
           </a:xfrm>
           <a:prstGeom prst="rect">
             <a:avLst/>
@@ -3861,7 +3862,7 @@
                 </a:solidFill>
                 <a:latin typeface="Arial"/>
               </a:rPr>
-              <a:t>Pulse para editar el formato de texto del esquema</a:t>
+              <a:t>Click to edit the outline text format</a:t>
             </a:r>
             <a:endParaRPr b="0" lang="es-ES" sz="1800" spc="-1" strike="noStrike">
               <a:solidFill>
@@ -3889,7 +3890,7 @@
                 </a:solidFill>
                 <a:latin typeface="Arial"/>
               </a:rPr>
-              <a:t>Segundo nivel del esquema</a:t>
+              <a:t>Second Outline Level</a:t>
             </a:r>
             <a:endParaRPr b="0" lang="es-ES" sz="1800" spc="-1" strike="noStrike">
               <a:solidFill>
@@ -3917,7 +3918,7 @@
                 </a:solidFill>
                 <a:latin typeface="Arial"/>
               </a:rPr>
-              <a:t>Tercer nivel del esquema</a:t>
+              <a:t>Third Outline Level</a:t>
             </a:r>
             <a:endParaRPr b="0" lang="es-ES" sz="1800" spc="-1" strike="noStrike">
               <a:solidFill>
@@ -3945,7 +3946,7 @@
                 </a:solidFill>
                 <a:latin typeface="Arial"/>
               </a:rPr>
-              <a:t>Cuarto nivel del esquema</a:t>
+              <a:t>Fourth Outline Level</a:t>
             </a:r>
             <a:endParaRPr b="0" lang="es-ES" sz="1800" spc="-1" strike="noStrike">
               <a:solidFill>
@@ -3973,7 +3974,7 @@
                 </a:solidFill>
                 <a:latin typeface="Arial"/>
               </a:rPr>
-              <a:t>Quinto nivel del esquema</a:t>
+              <a:t>Fifth Outline Level</a:t>
             </a:r>
             <a:endParaRPr b="0" lang="es-ES" sz="1800" spc="-1" strike="noStrike">
               <a:solidFill>
@@ -4001,7 +4002,7 @@
                 </a:solidFill>
                 <a:latin typeface="Arial"/>
               </a:rPr>
-              <a:t>Sexto nivel del esquema</a:t>
+              <a:t>Sixth Outline Level</a:t>
             </a:r>
             <a:endParaRPr b="0" lang="es-ES" sz="1800" spc="-1" strike="noStrike">
               <a:solidFill>
@@ -4029,7 +4030,7 @@
                 </a:solidFill>
                 <a:latin typeface="Arial"/>
               </a:rPr>
-              <a:t>Séptimo nivel del esquema</a:t>
+              <a:t>Seventh Outline Level</a:t>
             </a:r>
             <a:endParaRPr b="0" lang="es-ES" sz="1800" spc="-1" strike="noStrike">
               <a:solidFill>
@@ -4053,7 +4054,7 @@
         <p:spPr>
           <a:xfrm>
             <a:off x="4038480" y="6356520"/>
-            <a:ext cx="4113720" cy="363960"/>
+            <a:ext cx="4113360" cy="363600"/>
           </a:xfrm>
           <a:prstGeom prst="rect">
             <a:avLst/>
@@ -4101,7 +4102,7 @@
                 </a:solidFill>
                 <a:latin typeface="Times New Roman"/>
               </a:rPr>
-              <a:t>&lt;pie de página&gt;</a:t>
+              <a:t>&lt;footer&gt;</a:t>
             </a:r>
             <a:endParaRPr b="0" lang="es-ES" sz="1400" spc="-1" strike="noStrike">
               <a:solidFill>
@@ -4125,7 +4126,7 @@
         <p:spPr>
           <a:xfrm>
             <a:off x="8610480" y="6356520"/>
-            <a:ext cx="2742120" cy="363960"/>
+            <a:ext cx="2741760" cy="363600"/>
           </a:xfrm>
           <a:prstGeom prst="rect">
             <a:avLst/>
@@ -4168,7 +4169,7 @@
                 <a:tab algn="l" pos="0"/>
               </a:tabLst>
             </a:pPr>
-            <a:fld id="{9EB1B1A1-04D0-4471-937D-907680543412}" type="slidenum">
+            <a:fld id="{40319605-7846-479D-B3E6-4A4AF8CAAAF2}" type="slidenum">
               <a:rPr b="0" lang="es-AR" sz="1200" spc="-1" strike="noStrike">
                 <a:solidFill>
                   <a:schemeClr val="dk1">
@@ -4177,7 +4178,7 @@
                 </a:solidFill>
                 <a:latin typeface="Calibri"/>
               </a:rPr>
-              <a:t>&lt;número&gt;</a:t>
+              <a:t>&lt;number&gt;</a:t>
             </a:fld>
             <a:endParaRPr b="0" lang="es-ES" sz="1200" spc="-1" strike="noStrike">
               <a:solidFill>
@@ -4201,7 +4202,7 @@
         <p:spPr>
           <a:xfrm>
             <a:off x="838080" y="6356520"/>
-            <a:ext cx="2742120" cy="363960"/>
+            <a:ext cx="2741760" cy="363600"/>
           </a:xfrm>
           <a:prstGeom prst="rect">
             <a:avLst/>
@@ -4237,7 +4238,7 @@
                 </a:solidFill>
                 <a:latin typeface="Times New Roman"/>
               </a:rPr>
-              <a:t>&lt;fecha/hora&gt;</a:t>
+              <a:t>&lt;date/time&gt;</a:t>
             </a:r>
             <a:endParaRPr b="0" lang="es-ES" sz="1400" spc="-1" strike="noStrike">
               <a:solidFill>
@@ -4294,7 +4295,7 @@
         <p:spPr>
           <a:xfrm>
             <a:off x="4038480" y="6356520"/>
-            <a:ext cx="4113720" cy="363960"/>
+            <a:ext cx="4113360" cy="363600"/>
           </a:xfrm>
           <a:prstGeom prst="rect">
             <a:avLst/>
@@ -4342,7 +4343,7 @@
                 </a:solidFill>
                 <a:latin typeface="Times New Roman"/>
               </a:rPr>
-              <a:t>&lt;pie de página&gt;</a:t>
+              <a:t>&lt;footer&gt;</a:t>
             </a:r>
             <a:endParaRPr b="0" lang="es-ES" sz="1400" spc="-1" strike="noStrike">
               <a:solidFill>
@@ -4366,7 +4367,7 @@
         <p:spPr>
           <a:xfrm>
             <a:off x="8610480" y="6356520"/>
-            <a:ext cx="2742120" cy="363960"/>
+            <a:ext cx="2741760" cy="363600"/>
           </a:xfrm>
           <a:prstGeom prst="rect">
             <a:avLst/>
@@ -4409,7 +4410,7 @@
                 <a:tab algn="l" pos="0"/>
               </a:tabLst>
             </a:pPr>
-            <a:fld id="{77602010-9A57-48D2-AF28-476A892F1207}" type="slidenum">
+            <a:fld id="{182B8650-D691-4CF0-95CD-A2F9065BDBDB}" type="slidenum">
               <a:rPr b="0" lang="es-AR" sz="1200" spc="-1" strike="noStrike">
                 <a:solidFill>
                   <a:schemeClr val="dk1">
@@ -4418,7 +4419,7 @@
                 </a:solidFill>
                 <a:latin typeface="Calibri"/>
               </a:rPr>
-              <a:t>&lt;número&gt;</a:t>
+              <a:t>&lt;number&gt;</a:t>
             </a:fld>
             <a:endParaRPr b="0" lang="es-ES" sz="1200" spc="-1" strike="noStrike">
               <a:solidFill>
@@ -4442,7 +4443,7 @@
         <p:spPr>
           <a:xfrm>
             <a:off x="838080" y="6356520"/>
-            <a:ext cx="2742120" cy="363960"/>
+            <a:ext cx="2741760" cy="363600"/>
           </a:xfrm>
           <a:prstGeom prst="rect">
             <a:avLst/>
@@ -4478,7 +4479,7 @@
                 </a:solidFill>
                 <a:latin typeface="Times New Roman"/>
               </a:rPr>
-              <a:t>&lt;fecha/hora&gt;</a:t>
+              <a:t>&lt;date/time&gt;</a:t>
             </a:r>
             <a:endParaRPr b="0" lang="es-ES" sz="1400" spc="-1" strike="noStrike">
               <a:solidFill>
@@ -4535,7 +4536,7 @@
         <p:spPr>
           <a:xfrm>
             <a:off x="838080" y="365040"/>
-            <a:ext cx="10514520" cy="1324440"/>
+            <a:ext cx="10514160" cy="1324080"/>
           </a:xfrm>
           <a:prstGeom prst="rect">
             <a:avLst/>
@@ -4560,7 +4561,7 @@
                 </a:solidFill>
                 <a:latin typeface="Arial"/>
               </a:rPr>
-              <a:t>Pulse para editar el formato del texto de título</a:t>
+              <a:t>Click to edit the title text format</a:t>
             </a:r>
             <a:endParaRPr b="0" lang="es-ES" sz="1800" spc="-1" strike="noStrike">
               <a:solidFill>
@@ -4584,7 +4585,7 @@
         <p:spPr>
           <a:xfrm>
             <a:off x="4038480" y="6356520"/>
-            <a:ext cx="4113720" cy="363960"/>
+            <a:ext cx="4113360" cy="363600"/>
           </a:xfrm>
           <a:prstGeom prst="rect">
             <a:avLst/>
@@ -4632,7 +4633,7 @@
                 </a:solidFill>
                 <a:latin typeface="Times New Roman"/>
               </a:rPr>
-              <a:t>&lt;pie de página&gt;</a:t>
+              <a:t>&lt;footer&gt;</a:t>
             </a:r>
             <a:endParaRPr b="0" lang="es-ES" sz="1400" spc="-1" strike="noStrike">
               <a:solidFill>
@@ -4656,7 +4657,7 @@
         <p:spPr>
           <a:xfrm>
             <a:off x="8610480" y="6356520"/>
-            <a:ext cx="2742120" cy="363960"/>
+            <a:ext cx="2741760" cy="363600"/>
           </a:xfrm>
           <a:prstGeom prst="rect">
             <a:avLst/>
@@ -4699,7 +4700,7 @@
                 <a:tab algn="l" pos="0"/>
               </a:tabLst>
             </a:pPr>
-            <a:fld id="{C619DF67-A197-4304-9AB4-F4639E226339}" type="slidenum">
+            <a:fld id="{D6402B27-BA9C-4732-AEDC-14FB225A133B}" type="slidenum">
               <a:rPr b="0" lang="es-AR" sz="1200" spc="-1" strike="noStrike">
                 <a:solidFill>
                   <a:schemeClr val="dk1">
@@ -4708,7 +4709,7 @@
                 </a:solidFill>
                 <a:latin typeface="Calibri"/>
               </a:rPr>
-              <a:t>&lt;número&gt;</a:t>
+              <a:t>&lt;number&gt;</a:t>
             </a:fld>
             <a:endParaRPr b="0" lang="es-ES" sz="1200" spc="-1" strike="noStrike">
               <a:solidFill>
@@ -4732,7 +4733,7 @@
         <p:spPr>
           <a:xfrm>
             <a:off x="838080" y="6356520"/>
-            <a:ext cx="2742120" cy="363960"/>
+            <a:ext cx="2741760" cy="363600"/>
           </a:xfrm>
           <a:prstGeom prst="rect">
             <a:avLst/>
@@ -4768,7 +4769,7 @@
                 </a:solidFill>
                 <a:latin typeface="Times New Roman"/>
               </a:rPr>
-              <a:t>&lt;fecha/hora&gt;</a:t>
+              <a:t>&lt;date/time&gt;</a:t>
             </a:r>
             <a:endParaRPr b="0" lang="es-ES" sz="1400" spc="-1" strike="noStrike">
               <a:solidFill>
@@ -4825,7 +4826,7 @@
         <p:spPr>
           <a:xfrm>
             <a:off x="4038480" y="6356520"/>
-            <a:ext cx="4113720" cy="363960"/>
+            <a:ext cx="4113360" cy="363600"/>
           </a:xfrm>
           <a:prstGeom prst="rect">
             <a:avLst/>
@@ -4873,7 +4874,7 @@
                 </a:solidFill>
                 <a:latin typeface="Times New Roman"/>
               </a:rPr>
-              <a:t>&lt;pie de página&gt;</a:t>
+              <a:t>&lt;footer&gt;</a:t>
             </a:r>
             <a:endParaRPr b="0" lang="es-ES" sz="1400" spc="-1" strike="noStrike">
               <a:solidFill>
@@ -4897,7 +4898,7 @@
         <p:spPr>
           <a:xfrm>
             <a:off x="8610480" y="6356520"/>
-            <a:ext cx="2742120" cy="363960"/>
+            <a:ext cx="2741760" cy="363600"/>
           </a:xfrm>
           <a:prstGeom prst="rect">
             <a:avLst/>
@@ -4940,7 +4941,7 @@
                 <a:tab algn="l" pos="0"/>
               </a:tabLst>
             </a:pPr>
-            <a:fld id="{C83636B2-8209-448F-AA90-5C1BDD0FD9C5}" type="slidenum">
+            <a:fld id="{D0219D03-17EA-4F0E-9D99-80AEDF364601}" type="slidenum">
               <a:rPr b="0" lang="es-AR" sz="1200" spc="-1" strike="noStrike">
                 <a:solidFill>
                   <a:schemeClr val="dk1">
@@ -4949,7 +4950,7 @@
                 </a:solidFill>
                 <a:latin typeface="Calibri"/>
               </a:rPr>
-              <a:t>&lt;número&gt;</a:t>
+              <a:t>&lt;number&gt;</a:t>
             </a:fld>
             <a:endParaRPr b="0" lang="es-ES" sz="1200" spc="-1" strike="noStrike">
               <a:solidFill>
@@ -4973,7 +4974,7 @@
         <p:spPr>
           <a:xfrm>
             <a:off x="838080" y="6356520"/>
-            <a:ext cx="2742120" cy="363960"/>
+            <a:ext cx="2741760" cy="363600"/>
           </a:xfrm>
           <a:prstGeom prst="rect">
             <a:avLst/>
@@ -5009,7 +5010,7 @@
                 </a:solidFill>
                 <a:latin typeface="Times New Roman"/>
               </a:rPr>
-              <a:t>&lt;fecha/hora&gt;</a:t>
+              <a:t>&lt;date/time&gt;</a:t>
             </a:r>
             <a:endParaRPr b="0" lang="es-ES" sz="1400" spc="-1" strike="noStrike">
               <a:solidFill>
@@ -5059,7 +5060,7 @@
         <p:spPr>
           <a:xfrm>
             <a:off x="1523880" y="1122480"/>
-            <a:ext cx="9142920" cy="2386440"/>
+            <a:ext cx="9142560" cy="2386080"/>
           </a:xfrm>
           <a:prstGeom prst="rect">
             <a:avLst/>
@@ -5084,7 +5085,7 @@
               </a:tabLst>
             </a:pPr>
             <a:r>
-              <a:rPr b="0" lang="es-ES" sz="6000" spc="-1" strike="noStrike">
+              <a:rPr b="0" lang="en-US" sz="6000" spc="-1" strike="noStrike">
                 <a:solidFill>
                   <a:schemeClr val="dk1"/>
                 </a:solidFill>
@@ -5092,7 +5093,7 @@
               </a:rPr>
               <a:t>Full Developer</a:t>
             </a:r>
-            <a:endParaRPr b="0" lang="es-ES" sz="6000" spc="-1" strike="noStrike">
+            <a:endParaRPr b="0" lang="en-US" sz="6000" spc="-1" strike="noStrike">
               <a:solidFill>
                 <a:srgbClr val="000000"/>
               </a:solidFill>
@@ -5114,7 +5115,7 @@
         <p:spPr>
           <a:xfrm>
             <a:off x="1523880" y="3602160"/>
-            <a:ext cx="9142920" cy="1654560"/>
+            <a:ext cx="9142560" cy="1654200"/>
           </a:xfrm>
           <a:prstGeom prst="rect">
             <a:avLst/>
@@ -5142,7 +5143,7 @@
               </a:tabLst>
             </a:pPr>
             <a:r>
-              <a:rPr b="0" lang="es-ES" sz="4400" spc="-1" strike="noStrike">
+              <a:rPr b="0" lang="en-US" sz="4400" spc="-1" strike="noStrike">
                 <a:solidFill>
                   <a:schemeClr val="dk1"/>
                 </a:solidFill>
@@ -5150,7 +5151,7 @@
               </a:rPr>
               <a:t>Beginner</a:t>
             </a:r>
-            <a:endParaRPr b="0" lang="es-ES" sz="4400" spc="-1" strike="noStrike">
+            <a:endParaRPr b="0" lang="en-US" sz="4400" spc="-1" strike="noStrike">
               <a:solidFill>
                 <a:srgbClr val="000000"/>
               </a:solidFill>
@@ -5202,7 +5203,7 @@
         <p:spPr>
           <a:xfrm>
             <a:off x="838080" y="365040"/>
-            <a:ext cx="10514520" cy="1324440"/>
+            <a:ext cx="10514160" cy="1324080"/>
           </a:xfrm>
           <a:prstGeom prst="rect">
             <a:avLst/>
@@ -5227,7 +5228,7 @@
               </a:tabLst>
             </a:pPr>
             <a:r>
-              <a:rPr b="0" lang="es-AR" sz="4400" spc="-1" strike="noStrike">
+              <a:rPr b="0" lang="en-US" sz="4400" spc="-1" strike="noStrike">
                 <a:solidFill>
                   <a:schemeClr val="dk1"/>
                 </a:solidFill>
@@ -5235,7 +5236,7 @@
               </a:rPr>
               <a:t>Destructor</a:t>
             </a:r>
-            <a:endParaRPr b="0" lang="es-ES" sz="4400" spc="-1" strike="noStrike">
+            <a:endParaRPr b="0" lang="en-US" sz="4400" spc="-1" strike="noStrike">
               <a:solidFill>
                 <a:srgbClr val="000000"/>
               </a:solidFill>
@@ -5257,7 +5258,7 @@
         <p:spPr>
           <a:xfrm>
             <a:off x="838080" y="1825560"/>
-            <a:ext cx="10514520" cy="4350240"/>
+            <a:ext cx="10514160" cy="4349880"/>
           </a:xfrm>
           <a:prstGeom prst="rect">
             <a:avLst/>
@@ -5293,7 +5294,7 @@
               </a:rPr>
               <a:t>The destructor is an intrinsic method that calls when it destroys the instance of an object. It is useful to free an space of memory and of this manner which the program do not full of trash.</a:t>
             </a:r>
-            <a:endParaRPr b="0" lang="es-ES" sz="1600" spc="-1" strike="noStrike">
+            <a:endParaRPr b="0" lang="en-US" sz="1600" spc="-1" strike="noStrike">
               <a:solidFill>
                 <a:srgbClr val="000000"/>
               </a:solidFill>
@@ -5313,7 +5314,7 @@
                 <a:tab algn="l" pos="0"/>
               </a:tabLst>
             </a:pPr>
-            <a:endParaRPr b="0" lang="es-ES" sz="1600" spc="-1" strike="noStrike">
+            <a:endParaRPr b="0" lang="en-US" sz="1600" spc="-1" strike="noStrike">
               <a:solidFill>
                 <a:srgbClr val="000000"/>
               </a:solidFill>
@@ -5342,7 +5343,7 @@
               </a:rPr>
               <a:t>In this way, the program can work in a light way without not so much load and this is the way that can continue till finishes the program.</a:t>
             </a:r>
-            <a:endParaRPr b="0" lang="es-ES" sz="1600" spc="-1" strike="noStrike">
+            <a:endParaRPr b="0" lang="en-US" sz="1600" spc="-1" strike="noStrike">
               <a:solidFill>
                 <a:srgbClr val="000000"/>
               </a:solidFill>
@@ -5394,7 +5395,7 @@
         <p:spPr>
           <a:xfrm>
             <a:off x="838080" y="365040"/>
-            <a:ext cx="10514520" cy="1324440"/>
+            <a:ext cx="10514160" cy="1324080"/>
           </a:xfrm>
           <a:prstGeom prst="rect">
             <a:avLst/>
@@ -5419,7 +5420,7 @@
               </a:tabLst>
             </a:pPr>
             <a:r>
-              <a:rPr b="0" lang="es-AR" sz="4400" spc="-1" strike="noStrike">
+              <a:rPr b="0" lang="en-US" sz="4400" spc="-1" strike="noStrike">
                 <a:solidFill>
                   <a:schemeClr val="dk1"/>
                 </a:solidFill>
@@ -5427,7 +5428,7 @@
               </a:rPr>
               <a:t>Destructor</a:t>
             </a:r>
-            <a:endParaRPr b="0" lang="es-ES" sz="4400" spc="-1" strike="noStrike">
+            <a:endParaRPr b="0" lang="en-US" sz="4400" spc="-1" strike="noStrike">
               <a:solidFill>
                 <a:srgbClr val="000000"/>
               </a:solidFill>
@@ -5449,7 +5450,7 @@
         <p:spPr>
           <a:xfrm>
             <a:off x="838080" y="1825560"/>
-            <a:ext cx="10514520" cy="4350240"/>
+            <a:ext cx="10514160" cy="4349880"/>
           </a:xfrm>
           <a:prstGeom prst="rect">
             <a:avLst/>
@@ -5483,9 +5484,9 @@
                 </a:solidFill>
                 <a:latin typeface="Bahnschrift SemiBold"/>
               </a:rPr>
-              <a:t>In the contrast, it can full in of much memory or the use of memory without using, and from there can finish the program much before. And this does not happen very much when it works with volumes of data or tasks very big.</a:t>
-            </a:r>
-            <a:endParaRPr b="0" lang="es-ES" sz="1600" spc="-1" strike="noStrike">
+              <a:t>In the contrast, it can full much memory or make use of memory without using it, and there so, it can finish the program much before. And this does not happen very much when it works with volumes of data or tasks very big.</a:t>
+            </a:r>
+            <a:endParaRPr b="0" lang="en-US" sz="1600" spc="-1" strike="noStrike">
               <a:solidFill>
                 <a:srgbClr val="000000"/>
               </a:solidFill>
@@ -5505,7 +5506,7 @@
                 <a:tab algn="l" pos="0"/>
               </a:tabLst>
             </a:pPr>
-            <a:endParaRPr b="0" lang="es-ES" sz="1600" spc="-1" strike="noStrike">
+            <a:endParaRPr b="0" lang="en-US" sz="1600" spc="-1" strike="noStrike">
               <a:solidFill>
                 <a:srgbClr val="000000"/>
               </a:solidFill>
@@ -5532,9 +5533,9 @@
                 </a:solidFill>
                 <a:latin typeface="Bahnschrift SemiBold"/>
               </a:rPr>
-              <a:t>This is precise, that this kind of particular method. From there, the program can finalize of different much way and with major performance. This method is important without it. the program could delay in many occasions.</a:t>
-            </a:r>
-            <a:endParaRPr b="0" lang="es-ES" sz="1600" spc="-1" strike="noStrike">
+              <a:t>The program can finalize in different ways and better performance. This method is important. The program could delay in many occasions without it.</a:t>
+            </a:r>
+            <a:endParaRPr b="0" lang="en-US" sz="1600" spc="-1" strike="noStrike">
               <a:solidFill>
                 <a:srgbClr val="000000"/>
               </a:solidFill>
@@ -5586,7 +5587,7 @@
         <p:spPr>
           <a:xfrm>
             <a:off x="838080" y="365040"/>
-            <a:ext cx="10514520" cy="1324440"/>
+            <a:ext cx="10514160" cy="1324080"/>
           </a:xfrm>
           <a:prstGeom prst="rect">
             <a:avLst/>
@@ -5611,7 +5612,7 @@
               </a:tabLst>
             </a:pPr>
             <a:r>
-              <a:rPr b="0" lang="es-AR" sz="4400" spc="-1" strike="noStrike">
+              <a:rPr b="0" lang="en-US" sz="4400" spc="-1" strike="noStrike">
                 <a:solidFill>
                   <a:schemeClr val="dk1"/>
                 </a:solidFill>
@@ -5619,7 +5620,7 @@
               </a:rPr>
               <a:t>Method</a:t>
             </a:r>
-            <a:endParaRPr b="0" lang="es-ES" sz="4400" spc="-1" strike="noStrike">
+            <a:endParaRPr b="0" lang="en-US" sz="4400" spc="-1" strike="noStrike">
               <a:solidFill>
                 <a:srgbClr val="000000"/>
               </a:solidFill>
@@ -5641,7 +5642,7 @@
         <p:spPr>
           <a:xfrm>
             <a:off x="838080" y="1825560"/>
-            <a:ext cx="10514520" cy="4350240"/>
+            <a:ext cx="10514160" cy="4349880"/>
           </a:xfrm>
           <a:prstGeom prst="rect">
             <a:avLst/>
@@ -5675,9 +5676,9 @@
                 </a:solidFill>
                 <a:latin typeface="Bahnschrift SemiBold"/>
               </a:rPr>
-              <a:t>This method is an action of the class. And it can be called after it creates an instance of the object, from there each method can be called to solve some particular problem, and you can create as many methods as possible. </a:t>
-            </a:r>
-            <a:endParaRPr b="0" lang="es-ES" sz="1600" spc="-1" strike="noStrike">
+              <a:t>Method is an action of the class. It can be called after it creates an instance of the object. So there each method can be called to solve some particular problem, and you can create as many methods as possible. </a:t>
+            </a:r>
+            <a:endParaRPr b="0" lang="en-US" sz="1600" spc="-1" strike="noStrike">
               <a:solidFill>
                 <a:srgbClr val="000000"/>
               </a:solidFill>
@@ -5697,7 +5698,7 @@
                 <a:tab algn="l" pos="0"/>
               </a:tabLst>
             </a:pPr>
-            <a:endParaRPr b="0" lang="es-ES" sz="1600" spc="-1" strike="noStrike">
+            <a:endParaRPr b="0" lang="en-US" sz="1600" spc="-1" strike="noStrike">
               <a:solidFill>
                 <a:srgbClr val="000000"/>
               </a:solidFill>
@@ -5724,9 +5725,9 @@
                 </a:solidFill>
                 <a:latin typeface="Bahnschrift SemiBold"/>
               </a:rPr>
-              <a:t>Each one of them, it will realize a different task and on this way it will solve many problems during the execution of the program.</a:t>
-            </a:r>
-            <a:endParaRPr b="0" lang="es-ES" sz="1600" spc="-1" strike="noStrike">
+              <a:t>Each one of them will perform a different task and it will solve many problems during the execution of the program.</a:t>
+            </a:r>
+            <a:endParaRPr b="0" lang="en-US" sz="1600" spc="-1" strike="noStrike">
               <a:solidFill>
                 <a:srgbClr val="000000"/>
               </a:solidFill>
@@ -5778,7 +5779,7 @@
         <p:spPr>
           <a:xfrm>
             <a:off x="838080" y="365040"/>
-            <a:ext cx="10514520" cy="1324440"/>
+            <a:ext cx="10514160" cy="1324080"/>
           </a:xfrm>
           <a:prstGeom prst="rect">
             <a:avLst/>
@@ -5803,7 +5804,7 @@
               </a:tabLst>
             </a:pPr>
             <a:r>
-              <a:rPr b="0" lang="es-AR" sz="4400" spc="-1" strike="noStrike">
+              <a:rPr b="0" lang="en-US" sz="4400" spc="-1" strike="noStrike">
                 <a:solidFill>
                   <a:schemeClr val="dk1"/>
                 </a:solidFill>
@@ -5811,7 +5812,7 @@
               </a:rPr>
               <a:t>Method</a:t>
             </a:r>
-            <a:endParaRPr b="0" lang="es-ES" sz="4400" spc="-1" strike="noStrike">
+            <a:endParaRPr b="0" lang="en-US" sz="4400" spc="-1" strike="noStrike">
               <a:solidFill>
                 <a:srgbClr val="000000"/>
               </a:solidFill>
@@ -5833,7 +5834,7 @@
         <p:spPr>
           <a:xfrm>
             <a:off x="838080" y="1825560"/>
-            <a:ext cx="10514520" cy="4350240"/>
+            <a:ext cx="10514160" cy="4349880"/>
           </a:xfrm>
           <a:prstGeom prst="rect">
             <a:avLst/>
@@ -5869,7 +5870,7 @@
               </a:rPr>
               <a:t>Such beginning or ending of program, is very important its task, because of that, it is used such many times during the running of the program.</a:t>
             </a:r>
-            <a:endParaRPr b="0" lang="es-ES" sz="1600" spc="-1" strike="noStrike">
+            <a:endParaRPr b="0" lang="en-US" sz="1600" spc="-1" strike="noStrike">
               <a:solidFill>
                 <a:srgbClr val="000000"/>
               </a:solidFill>
@@ -5889,7 +5890,7 @@
                 <a:tab algn="l" pos="0"/>
               </a:tabLst>
             </a:pPr>
-            <a:endParaRPr b="0" lang="es-ES" sz="1600" spc="-1" strike="noStrike">
+            <a:endParaRPr b="0" lang="en-US" sz="1600" spc="-1" strike="noStrike">
               <a:solidFill>
                 <a:srgbClr val="000000"/>
               </a:solidFill>
@@ -5918,7 +5919,7 @@
               </a:rPr>
               <a:t>If inside this method, it is used many resources of the system, we should consider that we have something to free those resources because they are blocks or chunks or memory.</a:t>
             </a:r>
-            <a:endParaRPr b="0" lang="es-ES" sz="1600" spc="-1" strike="noStrike">
+            <a:endParaRPr b="0" lang="en-US" sz="1600" spc="-1" strike="noStrike">
               <a:solidFill>
                 <a:srgbClr val="000000"/>
               </a:solidFill>
@@ -5970,7 +5971,7 @@
         <p:spPr>
           <a:xfrm>
             <a:off x="1523880" y="1122480"/>
-            <a:ext cx="9142920" cy="2386440"/>
+            <a:ext cx="9142560" cy="2386080"/>
           </a:xfrm>
           <a:prstGeom prst="rect">
             <a:avLst/>
@@ -6003,7 +6004,7 @@
               </a:rPr>
               <a:t>Visibility</a:t>
             </a:r>
-            <a:endParaRPr b="0" lang="es-ES" sz="6000" spc="-1" strike="noStrike">
+            <a:endParaRPr b="0" lang="en-US" sz="6000" spc="-1" strike="noStrike">
               <a:solidFill>
                 <a:srgbClr val="000000"/>
               </a:solidFill>
@@ -6025,7 +6026,7 @@
         <p:spPr>
           <a:xfrm>
             <a:off x="1523880" y="3602160"/>
-            <a:ext cx="9142920" cy="1654560"/>
+            <a:ext cx="9142560" cy="1654200"/>
           </a:xfrm>
           <a:prstGeom prst="rect">
             <a:avLst/>
@@ -6043,7 +6044,7 @@
             <a:pPr indent="0" algn="ctr">
               <a:buNone/>
             </a:pPr>
-            <a:endParaRPr b="0" lang="es-ES" sz="1800" spc="-1" strike="noStrike">
+            <a:endParaRPr b="0" lang="en-US" sz="1800" spc="-1" strike="noStrike">
               <a:solidFill>
                 <a:srgbClr val="000000"/>
               </a:solidFill>
@@ -6095,7 +6096,7 @@
         <p:spPr>
           <a:xfrm>
             <a:off x="838080" y="365040"/>
-            <a:ext cx="10514520" cy="1324440"/>
+            <a:ext cx="10514160" cy="1324080"/>
           </a:xfrm>
           <a:prstGeom prst="rect">
             <a:avLst/>
@@ -6120,7 +6121,7 @@
               </a:tabLst>
             </a:pPr>
             <a:r>
-              <a:rPr b="0" lang="es-AR" sz="4400" spc="-1" strike="noStrike">
+              <a:rPr b="0" lang="en-US" sz="4400" spc="-1" strike="noStrike">
                 <a:solidFill>
                   <a:schemeClr val="dk1"/>
                 </a:solidFill>
@@ -6128,7 +6129,7 @@
               </a:rPr>
               <a:t>Visibility</a:t>
             </a:r>
-            <a:endParaRPr b="0" lang="es-ES" sz="4400" spc="-1" strike="noStrike">
+            <a:endParaRPr b="0" lang="en-US" sz="4400" spc="-1" strike="noStrike">
               <a:solidFill>
                 <a:srgbClr val="000000"/>
               </a:solidFill>
@@ -6150,7 +6151,7 @@
         <p:spPr>
           <a:xfrm>
             <a:off x="838080" y="1825560"/>
-            <a:ext cx="10514520" cy="4350240"/>
+            <a:ext cx="10514160" cy="4349880"/>
           </a:xfrm>
           <a:prstGeom prst="rect">
             <a:avLst/>
@@ -6184,18 +6185,9 @@
                 </a:solidFill>
                 <a:latin typeface="Bahnschrift SemiBold"/>
               </a:rPr>
-              <a:t>The visibility is a feature that each property or method of the class has, for example</a:t>
-            </a:r>
-            <a:r>
-              <a:rPr b="1" lang="es-MX" sz="1600" spc="-1" strike="noStrike">
-                <a:solidFill>
-                  <a:schemeClr val="dk1"/>
-                </a:solidFill>
-                <a:latin typeface="Bahnschrift SemiBold"/>
-              </a:rPr>
-              <a:t>:</a:t>
-            </a:r>
-            <a:endParaRPr b="0" lang="es-ES" sz="1600" spc="-1" strike="noStrike">
+              <a:t>The visibility is a feature that each property or method of the class has, for example:</a:t>
+            </a:r>
+            <a:endParaRPr b="0" lang="en-US" sz="1600" spc="-1" strike="noStrike">
               <a:solidFill>
                 <a:srgbClr val="000000"/>
               </a:solidFill>
@@ -6220,7 +6212,7 @@
               </a:tabLst>
             </a:pPr>
             <a:r>
-              <a:rPr b="1" lang="es-MX" sz="1600" spc="-1" strike="noStrike">
+              <a:rPr b="1" lang="en-US" sz="1600" spc="-1" strike="noStrike">
                 <a:solidFill>
                   <a:schemeClr val="dk1"/>
                 </a:solidFill>
@@ -6228,7 +6220,7 @@
               </a:rPr>
               <a:t>Private</a:t>
             </a:r>
-            <a:endParaRPr b="0" lang="es-ES" sz="1600" spc="-1" strike="noStrike">
+            <a:endParaRPr b="0" lang="en-US" sz="1600" spc="-1" strike="noStrike">
               <a:solidFill>
                 <a:srgbClr val="000000"/>
               </a:solidFill>
@@ -6261,7 +6253,7 @@
               </a:rPr>
               <a:t>It means when it can not be accessed from outside. Only it can be called from the class.</a:t>
             </a:r>
-            <a:endParaRPr b="0" lang="es-ES" sz="1600" spc="-1" strike="noStrike">
+            <a:endParaRPr b="0" lang="en-US" sz="1600" spc="-1" strike="noStrike">
               <a:solidFill>
                 <a:srgbClr val="000000"/>
               </a:solidFill>
@@ -6286,7 +6278,7 @@
               </a:tabLst>
             </a:pPr>
             <a:r>
-              <a:rPr b="1" lang="es-MX" sz="1600" spc="-1" strike="noStrike">
+              <a:rPr b="1" lang="en-US" sz="1600" spc="-1" strike="noStrike">
                 <a:solidFill>
                   <a:schemeClr val="dk1"/>
                 </a:solidFill>
@@ -6294,7 +6286,7 @@
               </a:rPr>
               <a:t>Protected</a:t>
             </a:r>
-            <a:endParaRPr b="0" lang="es-ES" sz="1600" spc="-1" strike="noStrike">
+            <a:endParaRPr b="0" lang="en-US" sz="1600" spc="-1" strike="noStrike">
               <a:solidFill>
                 <a:srgbClr val="000000"/>
               </a:solidFill>
@@ -6327,7 +6319,7 @@
               </a:rPr>
               <a:t>It means when it can not be accessed from outside. Only it can be called from the same instance of the object.</a:t>
             </a:r>
-            <a:endParaRPr b="0" lang="es-ES" sz="1600" spc="-1" strike="noStrike">
+            <a:endParaRPr b="0" lang="en-US" sz="1600" spc="-1" strike="noStrike">
               <a:solidFill>
                 <a:srgbClr val="000000"/>
               </a:solidFill>
@@ -6379,7 +6371,7 @@
         <p:spPr>
           <a:xfrm>
             <a:off x="838080" y="365040"/>
-            <a:ext cx="10514520" cy="1324440"/>
+            <a:ext cx="10514160" cy="1324080"/>
           </a:xfrm>
           <a:prstGeom prst="rect">
             <a:avLst/>
@@ -6404,7 +6396,7 @@
               </a:tabLst>
             </a:pPr>
             <a:r>
-              <a:rPr b="0" lang="es-AR" sz="4400" spc="-1" strike="noStrike">
+              <a:rPr b="0" lang="en-US" sz="4400" spc="-1" strike="noStrike">
                 <a:solidFill>
                   <a:schemeClr val="dk1"/>
                 </a:solidFill>
@@ -6412,7 +6404,7 @@
               </a:rPr>
               <a:t>Visibility</a:t>
             </a:r>
-            <a:endParaRPr b="0" lang="es-ES" sz="4400" spc="-1" strike="noStrike">
+            <a:endParaRPr b="0" lang="en-US" sz="4400" spc="-1" strike="noStrike">
               <a:solidFill>
                 <a:srgbClr val="000000"/>
               </a:solidFill>
@@ -6434,7 +6426,7 @@
         <p:spPr>
           <a:xfrm>
             <a:off x="838080" y="1825560"/>
-            <a:ext cx="10514520" cy="4350240"/>
+            <a:ext cx="10514160" cy="4349880"/>
           </a:xfrm>
           <a:prstGeom prst="rect">
             <a:avLst/>
@@ -6471,7 +6463,7 @@
               </a:rPr>
               <a:t>Public</a:t>
             </a:r>
-            <a:endParaRPr b="0" lang="es-ES" sz="1600" spc="-1" strike="noStrike">
+            <a:endParaRPr b="0" lang="en-US" sz="1600" spc="-1" strike="noStrike">
               <a:solidFill>
                 <a:srgbClr val="000000"/>
               </a:solidFill>
@@ -6501,7 +6493,7 @@
               </a:rPr>
               <a:t>It means when it can be accessed from outside. After the creation of the instance of the object.</a:t>
             </a:r>
-            <a:endParaRPr b="0" lang="es-ES" sz="1600" spc="-1" strike="noStrike">
+            <a:endParaRPr b="0" lang="en-US" sz="1600" spc="-1" strike="noStrike">
               <a:solidFill>
                 <a:srgbClr val="000000"/>
               </a:solidFill>
@@ -6553,7 +6545,7 @@
         <p:spPr>
           <a:xfrm>
             <a:off x="838080" y="365040"/>
-            <a:ext cx="10514520" cy="1324440"/>
+            <a:ext cx="10514160" cy="1324080"/>
           </a:xfrm>
           <a:prstGeom prst="rect">
             <a:avLst/>
@@ -6586,7 +6578,7 @@
               </a:rPr>
               <a:t>Overwrite</a:t>
             </a:r>
-            <a:endParaRPr b="0" lang="es-ES" sz="4400" spc="-1" strike="noStrike">
+            <a:endParaRPr b="0" lang="en-US" sz="4400" spc="-1" strike="noStrike">
               <a:solidFill>
                 <a:srgbClr val="000000"/>
               </a:solidFill>
@@ -6608,7 +6600,7 @@
         <p:spPr>
           <a:xfrm>
             <a:off x="838080" y="1825560"/>
-            <a:ext cx="10514520" cy="4350240"/>
+            <a:ext cx="10514160" cy="4349880"/>
           </a:xfrm>
           <a:prstGeom prst="rect">
             <a:avLst/>
@@ -6642,18 +6634,9 @@
                 </a:solidFill>
                 <a:latin typeface="Bahnschrift SemiBold"/>
               </a:rPr>
-              <a:t>It means when it repeats the same method but with more parameters. In other words, and in other words a bit more technical it has the same signature.</a:t>
-            </a:r>
-            <a:r>
-              <a:rPr b="1" lang="es-MX" sz="1600" spc="-1" strike="noStrike">
-                <a:solidFill>
-                  <a:schemeClr val="dk1"/>
-                </a:solidFill>
-                <a:latin typeface="Bahnschrift SemiBold"/>
-              </a:rPr>
-              <a:t> </a:t>
-            </a:r>
-            <a:endParaRPr b="0" lang="es-ES" sz="1600" spc="-1" strike="noStrike">
+              <a:t>It means when it repeats the same method but with more parameters. In other words, it has the same signature. </a:t>
+            </a:r>
+            <a:endParaRPr b="0" lang="en-US" sz="1600" spc="-1" strike="noStrike">
               <a:solidFill>
                 <a:srgbClr val="000000"/>
               </a:solidFill>
@@ -6673,7 +6656,7 @@
                 <a:tab algn="l" pos="0"/>
               </a:tabLst>
             </a:pPr>
-            <a:endParaRPr b="0" lang="es-ES" sz="1600" spc="-1" strike="noStrike">
+            <a:endParaRPr b="0" lang="en-US" sz="1600" spc="-1" strike="noStrike">
               <a:solidFill>
                 <a:srgbClr val="000000"/>
               </a:solidFill>
@@ -6702,7 +6685,7 @@
               </a:rPr>
               <a:t>And it can be overwritten such many times as you wish, however we should be careful with it, because if we repeat it many times, it could create confusions at the moment that another developer tries to continue it.</a:t>
             </a:r>
-            <a:endParaRPr b="0" lang="es-ES" sz="1600" spc="-1" strike="noStrike">
+            <a:endParaRPr b="0" lang="en-US" sz="1600" spc="-1" strike="noStrike">
               <a:solidFill>
                 <a:srgbClr val="000000"/>
               </a:solidFill>
@@ -6754,7 +6737,7 @@
         <p:spPr>
           <a:xfrm>
             <a:off x="838080" y="365040"/>
-            <a:ext cx="10514520" cy="1324440"/>
+            <a:ext cx="10514160" cy="1324080"/>
           </a:xfrm>
           <a:prstGeom prst="rect">
             <a:avLst/>
@@ -6779,7 +6762,7 @@
               </a:tabLst>
             </a:pPr>
             <a:r>
-              <a:rPr b="0" lang="es-AR" sz="4400" spc="-1" strike="noStrike">
+              <a:rPr b="0" lang="en-US" sz="4400" spc="-1" strike="noStrike">
                 <a:solidFill>
                   <a:schemeClr val="dk1"/>
                 </a:solidFill>
@@ -6787,7 +6770,7 @@
               </a:rPr>
               <a:t>Override</a:t>
             </a:r>
-            <a:endParaRPr b="0" lang="es-ES" sz="4400" spc="-1" strike="noStrike">
+            <a:endParaRPr b="0" lang="en-US" sz="4400" spc="-1" strike="noStrike">
               <a:solidFill>
                 <a:srgbClr val="000000"/>
               </a:solidFill>
@@ -6809,7 +6792,7 @@
         <p:spPr>
           <a:xfrm>
             <a:off x="838080" y="1825560"/>
-            <a:ext cx="10514520" cy="4350240"/>
+            <a:ext cx="10514160" cy="4349880"/>
           </a:xfrm>
           <a:prstGeom prst="rect">
             <a:avLst/>
@@ -6845,7 +6828,7 @@
               </a:rPr>
               <a:t>It means when it repeats the same method but it has the same parameters. In other words, and a bit more technical it has the same signature but with different &lt;type&gt; of parameters.</a:t>
             </a:r>
-            <a:endParaRPr b="0" lang="es-ES" sz="1600" spc="-1" strike="noStrike">
+            <a:endParaRPr b="0" lang="en-US" sz="1600" spc="-1" strike="noStrike">
               <a:solidFill>
                 <a:srgbClr val="000000"/>
               </a:solidFill>
@@ -6874,7 +6857,7 @@
               </a:rPr>
               <a:t>However, you need to pay attention because it can be confusing for other developers who need to continue or modify the method implementation.</a:t>
             </a:r>
-            <a:endParaRPr b="0" lang="es-ES" sz="1600" spc="-1" strike="noStrike">
+            <a:endParaRPr b="0" lang="en-US" sz="1600" spc="-1" strike="noStrike">
               <a:solidFill>
                 <a:srgbClr val="000000"/>
               </a:solidFill>
@@ -6926,7 +6909,7 @@
         <p:spPr>
           <a:xfrm>
             <a:off x="838080" y="365040"/>
-            <a:ext cx="10514520" cy="1324440"/>
+            <a:ext cx="10514160" cy="1324080"/>
           </a:xfrm>
           <a:prstGeom prst="rect">
             <a:avLst/>
@@ -6951,7 +6934,7 @@
               </a:tabLst>
             </a:pPr>
             <a:r>
-              <a:rPr b="0" lang="es-AR" sz="4400" spc="-1" strike="noStrike">
+              <a:rPr b="0" lang="en-US" sz="4400" spc="-1" strike="noStrike">
                 <a:solidFill>
                   <a:schemeClr val="dk1"/>
                 </a:solidFill>
@@ -6959,7 +6942,7 @@
               </a:rPr>
               <a:t>Inheritance</a:t>
             </a:r>
-            <a:endParaRPr b="0" lang="es-ES" sz="4400" spc="-1" strike="noStrike">
+            <a:endParaRPr b="0" lang="en-US" sz="4400" spc="-1" strike="noStrike">
               <a:solidFill>
                 <a:srgbClr val="000000"/>
               </a:solidFill>
@@ -6981,7 +6964,7 @@
         <p:spPr>
           <a:xfrm>
             <a:off x="838080" y="1825560"/>
-            <a:ext cx="10514520" cy="4350240"/>
+            <a:ext cx="10514160" cy="4349880"/>
           </a:xfrm>
           <a:prstGeom prst="rect">
             <a:avLst/>
@@ -7017,7 +7000,7 @@
               </a:rPr>
               <a:t>It means when data inherits the same method and/or properties from the parent class. This is used frequently to reuse the same functionalities from the classes which are levels above. And you do not need to write the code again.</a:t>
             </a:r>
-            <a:endParaRPr b="0" lang="es-ES" sz="1600" spc="-1" strike="noStrike">
+            <a:endParaRPr b="0" lang="en-US" sz="1600" spc="-1" strike="noStrike">
               <a:solidFill>
                 <a:srgbClr val="000000"/>
               </a:solidFill>
@@ -7046,7 +7029,7 @@
               </a:rPr>
               <a:t>Because of this, the program codification speeds up.</a:t>
             </a:r>
-            <a:endParaRPr b="0" lang="es-ES" sz="1600" spc="-1" strike="noStrike">
+            <a:endParaRPr b="0" lang="en-US" sz="1600" spc="-1" strike="noStrike">
               <a:solidFill>
                 <a:srgbClr val="000000"/>
               </a:solidFill>
@@ -7066,7 +7049,7 @@
                 <a:tab algn="l" pos="0"/>
               </a:tabLst>
             </a:pPr>
-            <a:endParaRPr b="0" lang="es-ES" sz="1600" spc="-1" strike="noStrike">
+            <a:endParaRPr b="0" lang="en-US" sz="1600" spc="-1" strike="noStrike">
               <a:solidFill>
                 <a:srgbClr val="000000"/>
               </a:solidFill>
@@ -7086,7 +7069,7 @@
                 <a:tab algn="l" pos="0"/>
               </a:tabLst>
             </a:pPr>
-            <a:endParaRPr b="0" lang="es-ES" sz="1600" spc="-1" strike="noStrike">
+            <a:endParaRPr b="0" lang="en-US" sz="1600" spc="-1" strike="noStrike">
               <a:solidFill>
                 <a:srgbClr val="000000"/>
               </a:solidFill>
@@ -7106,7 +7089,7 @@
                 <a:tab algn="l" pos="0"/>
               </a:tabLst>
             </a:pPr>
-            <a:endParaRPr b="0" lang="es-ES" sz="1600" spc="-1" strike="noStrike">
+            <a:endParaRPr b="0" lang="en-US" sz="1600" spc="-1" strike="noStrike">
               <a:solidFill>
                 <a:srgbClr val="000000"/>
               </a:solidFill>
@@ -7158,7 +7141,7 @@
         <p:spPr>
           <a:xfrm>
             <a:off x="1523880" y="1122480"/>
-            <a:ext cx="9142920" cy="2386440"/>
+            <a:ext cx="9142560" cy="2386080"/>
           </a:xfrm>
           <a:prstGeom prst="rect">
             <a:avLst/>
@@ -7183,7 +7166,7 @@
               </a:tabLst>
             </a:pPr>
             <a:r>
-              <a:rPr b="0" lang="es-AR" sz="6000" spc="-1" strike="noStrike">
+              <a:rPr b="0" lang="en-US" sz="6000" spc="-1" strike="noStrike">
                 <a:solidFill>
                   <a:schemeClr val="dk1"/>
                 </a:solidFill>
@@ -7191,7 +7174,7 @@
               </a:rPr>
               <a:t>Functions vs Procedures</a:t>
             </a:r>
-            <a:endParaRPr b="0" lang="es-ES" sz="6000" spc="-1" strike="noStrike">
+            <a:endParaRPr b="0" lang="en-US" sz="6000" spc="-1" strike="noStrike">
               <a:solidFill>
                 <a:srgbClr val="000000"/>
               </a:solidFill>
@@ -7213,7 +7196,7 @@
         <p:spPr>
           <a:xfrm>
             <a:off x="1523880" y="3602160"/>
-            <a:ext cx="9142920" cy="1654560"/>
+            <a:ext cx="9142560" cy="1654200"/>
           </a:xfrm>
           <a:prstGeom prst="rect">
             <a:avLst/>
@@ -7231,7 +7214,217 @@
             <a:pPr indent="0" algn="ctr">
               <a:buNone/>
             </a:pPr>
-            <a:endParaRPr b="0" lang="es-ES" sz="1800" spc="-1" strike="noStrike">
+            <a:endParaRPr b="0" lang="en-US" sz="1800" spc="-1" strike="noStrike">
+              <a:solidFill>
+                <a:srgbClr val="000000"/>
+              </a:solidFill>
+              <a:latin typeface="Arial"/>
+            </a:endParaRPr>
+          </a:p>
+        </p:txBody>
+      </p:sp>
+    </p:spTree>
+  </p:cSld>
+  <mc:AlternateContent>
+    <mc:Choice Requires="p14">
+      <p:transition spd="slow" p14:dur="2000"/>
+    </mc:Choice>
+    <mc:Fallback>
+      <p:transition spd="slow"/>
+    </mc:Fallback>
+  </mc:AlternateContent>
+</p:sld>
+</file>
+
+<file path=ppt/slides/slide20.xml><?xml version="1.0" encoding="utf-8"?>
+<p:sld xmlns:a="http://schemas.openxmlformats.org/drawingml/2006/main" xmlns:p="http://schemas.openxmlformats.org/presentationml/2006/main" xmlns:r="http://schemas.openxmlformats.org/officeDocument/2006/relationships" xmlns:p14="http://schemas.microsoft.com/office/powerpoint/2010/main" xmlns:p15="http://schemas.microsoft.com/office/powerpoint/2012/main" xmlns:mc="http://schemas.openxmlformats.org/markup-compatibility/2006">
+  <p:cSld>
+    <p:spTree>
+      <p:nvGrpSpPr>
+        <p:cNvPr id="1" name=""/>
+        <p:cNvGrpSpPr/>
+        <p:nvPr/>
+      </p:nvGrpSpPr>
+      <p:grpSpPr>
+        <a:xfrm>
+          <a:off x="0" y="0"/>
+          <a:ext cx="0" cy="0"/>
+          <a:chOff x="0" y="0"/>
+          <a:chExt cx="0" cy="0"/>
+        </a:xfrm>
+      </p:grpSpPr>
+      <p:sp>
+        <p:nvSpPr>
+          <p:cNvPr id="87" name="PlaceHolder 1"/>
+          <p:cNvSpPr>
+            <a:spLocks noGrp="1"/>
+          </p:cNvSpPr>
+          <p:nvPr>
+            <p:ph type="title"/>
+          </p:nvPr>
+        </p:nvSpPr>
+        <p:spPr>
+          <a:xfrm>
+            <a:off x="838080" y="365040"/>
+            <a:ext cx="10514160" cy="1324080"/>
+          </a:xfrm>
+          <a:prstGeom prst="rect">
+            <a:avLst/>
+          </a:prstGeom>
+          <a:noFill/>
+          <a:ln w="0">
+            <a:noFill/>
+          </a:ln>
+        </p:spPr>
+        <p:txBody>
+          <a:bodyPr lIns="0" rIns="0" tIns="0" bIns="0" anchor="ctr">
+            <a:noAutofit/>
+          </a:bodyPr>
+          <a:p>
+            <a:pPr indent="0" defTabSz="914400">
+              <a:lnSpc>
+                <a:spcPct val="90000"/>
+              </a:lnSpc>
+              <a:buNone/>
+              <a:tabLst>
+                <a:tab algn="l" pos="0"/>
+              </a:tabLst>
+            </a:pPr>
+            <a:r>
+              <a:rPr b="0" lang="en-US" sz="4400" spc="-1" strike="noStrike">
+                <a:solidFill>
+                  <a:schemeClr val="dk1"/>
+                </a:solidFill>
+                <a:latin typeface="Calibri Light"/>
+              </a:rPr>
+              <a:t>Interface</a:t>
+            </a:r>
+            <a:endParaRPr b="0" lang="en-US" sz="4400" spc="-1" strike="noStrike">
+              <a:solidFill>
+                <a:srgbClr val="000000"/>
+              </a:solidFill>
+              <a:latin typeface="Arial"/>
+            </a:endParaRPr>
+          </a:p>
+        </p:txBody>
+      </p:sp>
+      <p:sp>
+        <p:nvSpPr>
+          <p:cNvPr id="88" name="PlaceHolder 3"/>
+          <p:cNvSpPr/>
+          <p:nvPr/>
+        </p:nvSpPr>
+        <p:spPr>
+          <a:xfrm>
+            <a:off x="838440" y="1825560"/>
+            <a:ext cx="10514160" cy="4349880"/>
+          </a:xfrm>
+          <a:prstGeom prst="rect">
+            <a:avLst/>
+          </a:prstGeom>
+          <a:noFill/>
+          <a:ln w="0">
+            <a:noFill/>
+          </a:ln>
+        </p:spPr>
+        <p:style>
+          <a:lnRef idx="0"/>
+          <a:fillRef idx="0"/>
+          <a:effectRef idx="0"/>
+          <a:fontRef idx="minor"/>
+        </p:style>
+        <p:txBody>
+          <a:bodyPr lIns="90000" rIns="90000" tIns="45000" bIns="45000" anchor="t">
+            <a:normAutofit/>
+          </a:bodyPr>
+          <a:p>
+            <a:pPr defTabSz="914400">
+              <a:lnSpc>
+                <a:spcPct val="150000"/>
+              </a:lnSpc>
+              <a:spcBef>
+                <a:spcPts val="1001"/>
+              </a:spcBef>
+              <a:tabLst>
+                <a:tab algn="l" pos="0"/>
+              </a:tabLst>
+            </a:pPr>
+            <a:r>
+              <a:rPr b="0" lang="en-US" sz="1600" spc="-1" strike="noStrike">
+                <a:solidFill>
+                  <a:schemeClr val="dk1"/>
+                </a:solidFill>
+                <a:latin typeface="Bahnschrift"/>
+              </a:rPr>
+              <a:t>It is used for creating an interface that the class needs to respect.</a:t>
+            </a:r>
+            <a:endParaRPr b="0" lang="en-US" sz="1600" spc="-1" strike="noStrike">
+              <a:solidFill>
+                <a:srgbClr val="000000"/>
+              </a:solidFill>
+              <a:latin typeface="Arial"/>
+            </a:endParaRPr>
+          </a:p>
+          <a:p>
+            <a:pPr defTabSz="914400">
+              <a:lnSpc>
+                <a:spcPct val="150000"/>
+              </a:lnSpc>
+              <a:spcBef>
+                <a:spcPts val="1001"/>
+              </a:spcBef>
+              <a:tabLst>
+                <a:tab algn="l" pos="0"/>
+              </a:tabLst>
+            </a:pPr>
+            <a:r>
+              <a:rPr b="0" lang="en-US" sz="1600" spc="-1" strike="noStrike">
+                <a:solidFill>
+                  <a:schemeClr val="dk1"/>
+                </a:solidFill>
+                <a:latin typeface="Bahnschrift"/>
+              </a:rPr>
+              <a:t>The class must contain the same methods and/or properties that the interface contains. Then, the children classes will have the same inheritance.</a:t>
+            </a:r>
+            <a:endParaRPr b="0" lang="en-US" sz="1600" spc="-1" strike="noStrike">
+              <a:solidFill>
+                <a:srgbClr val="000000"/>
+              </a:solidFill>
+              <a:latin typeface="Arial"/>
+            </a:endParaRPr>
+          </a:p>
+          <a:p>
+            <a:pPr defTabSz="914400">
+              <a:lnSpc>
+                <a:spcPct val="150000"/>
+              </a:lnSpc>
+              <a:spcBef>
+                <a:spcPts val="1001"/>
+              </a:spcBef>
+              <a:tabLst>
+                <a:tab algn="l" pos="0"/>
+              </a:tabLst>
+            </a:pPr>
+            <a:endParaRPr b="0" lang="en-US" sz="1600" spc="-1" strike="noStrike">
+              <a:solidFill>
+                <a:srgbClr val="000000"/>
+              </a:solidFill>
+              <a:latin typeface="Arial"/>
+            </a:endParaRPr>
+          </a:p>
+          <a:p>
+            <a:pPr defTabSz="914400">
+              <a:lnSpc>
+                <a:spcPct val="150000"/>
+              </a:lnSpc>
+              <a:spcBef>
+                <a:spcPts val="1001"/>
+              </a:spcBef>
+              <a:tabLst>
+                <a:tab algn="l" pos="0"/>
+              </a:tabLst>
+            </a:pPr>
+            <a:endParaRPr b="0" lang="en-US" sz="1600" spc="-1" strike="noStrike">
               <a:solidFill>
                 <a:srgbClr val="000000"/>
               </a:solidFill>
@@ -7283,7 +7476,7 @@
         <p:spPr>
           <a:xfrm>
             <a:off x="838080" y="365040"/>
-            <a:ext cx="10514520" cy="1324440"/>
+            <a:ext cx="10514160" cy="1324080"/>
           </a:xfrm>
           <a:prstGeom prst="rect">
             <a:avLst/>
@@ -7308,7 +7501,7 @@
               </a:tabLst>
             </a:pPr>
             <a:r>
-              <a:rPr b="0" lang="es-AR" sz="4400" spc="-1" strike="noStrike">
+              <a:rPr b="0" lang="en-US" sz="4400" spc="-1" strike="noStrike">
                 <a:solidFill>
                   <a:schemeClr val="dk1"/>
                 </a:solidFill>
@@ -7316,7 +7509,7 @@
               </a:rPr>
               <a:t>Functions</a:t>
             </a:r>
-            <a:endParaRPr b="0" lang="es-ES" sz="4400" spc="-1" strike="noStrike">
+            <a:endParaRPr b="0" lang="en-US" sz="4400" spc="-1" strike="noStrike">
               <a:solidFill>
                 <a:srgbClr val="000000"/>
               </a:solidFill>
@@ -7338,7 +7531,7 @@
         <p:spPr>
           <a:xfrm>
             <a:off x="838080" y="1825560"/>
-            <a:ext cx="10514520" cy="4350240"/>
+            <a:ext cx="10514160" cy="4349880"/>
           </a:xfrm>
           <a:prstGeom prst="rect">
             <a:avLst/>
@@ -7398,7 +7591,7 @@
               </a:rPr>
               <a:t>:</a:t>
             </a:r>
-            <a:endParaRPr b="0" lang="es-ES" sz="1600" spc="-1" strike="noStrike">
+            <a:endParaRPr b="0" lang="en-US" sz="1600" spc="-1" strike="noStrike">
               <a:solidFill>
                 <a:srgbClr val="000000"/>
               </a:solidFill>
@@ -7431,7 +7624,7 @@
               </a:rPr>
               <a:t>Value (Number, Alphanumeric, Etc.)</a:t>
             </a:r>
-            <a:endParaRPr b="0" lang="es-ES" sz="1600" spc="-1" strike="noStrike">
+            <a:endParaRPr b="0" lang="en-US" sz="1600" spc="-1" strike="noStrike">
               <a:solidFill>
                 <a:srgbClr val="000000"/>
               </a:solidFill>
@@ -7464,7 +7657,7 @@
               </a:rPr>
               <a:t>Function (Object Function)</a:t>
             </a:r>
-            <a:endParaRPr b="0" lang="es-ES" sz="1600" spc="-1" strike="noStrike">
+            <a:endParaRPr b="0" lang="en-US" sz="1600" spc="-1" strike="noStrike">
               <a:solidFill>
                 <a:srgbClr val="000000"/>
               </a:solidFill>
@@ -7497,7 +7690,7 @@
               </a:rPr>
               <a:t>Array</a:t>
             </a:r>
-            <a:endParaRPr b="0" lang="es-ES" sz="1600" spc="-1" strike="noStrike">
+            <a:endParaRPr b="0" lang="en-US" sz="1600" spc="-1" strike="noStrike">
               <a:solidFill>
                 <a:srgbClr val="000000"/>
               </a:solidFill>
@@ -7530,7 +7723,7 @@
               </a:rPr>
               <a:t>Set of Values</a:t>
             </a:r>
-            <a:endParaRPr b="0" lang="es-ES" sz="1600" spc="-1" strike="noStrike">
+            <a:endParaRPr b="0" lang="en-US" sz="1600" spc="-1" strike="noStrike">
               <a:solidFill>
                 <a:srgbClr val="000000"/>
               </a:solidFill>
@@ -7582,7 +7775,7 @@
         <p:spPr>
           <a:xfrm>
             <a:off x="838080" y="365040"/>
-            <a:ext cx="10514520" cy="1324440"/>
+            <a:ext cx="10514160" cy="1324080"/>
           </a:xfrm>
           <a:prstGeom prst="rect">
             <a:avLst/>
@@ -7607,7 +7800,7 @@
               </a:tabLst>
             </a:pPr>
             <a:r>
-              <a:rPr b="0" lang="es-AR" sz="4400" spc="-1" strike="noStrike">
+              <a:rPr b="0" lang="en-US" sz="4400" spc="-1" strike="noStrike">
                 <a:solidFill>
                   <a:schemeClr val="dk1"/>
                 </a:solidFill>
@@ -7615,7 +7808,7 @@
               </a:rPr>
               <a:t>Procedures</a:t>
             </a:r>
-            <a:endParaRPr b="0" lang="es-ES" sz="4400" spc="-1" strike="noStrike">
+            <a:endParaRPr b="0" lang="en-US" sz="4400" spc="-1" strike="noStrike">
               <a:solidFill>
                 <a:srgbClr val="000000"/>
               </a:solidFill>
@@ -7637,7 +7830,7 @@
         <p:spPr>
           <a:xfrm>
             <a:off x="838080" y="1825560"/>
-            <a:ext cx="10514520" cy="4350240"/>
+            <a:ext cx="10514160" cy="4349880"/>
           </a:xfrm>
           <a:prstGeom prst="rect">
             <a:avLst/>
@@ -7671,18 +7864,9 @@
                 </a:solidFill>
                 <a:latin typeface="Bahnschrift SemiBold"/>
               </a:rPr>
-              <a:t>The procedures are routines which perform a work or algorithm meanwhile other functions do not return any value, receive parameters, each one of them is a different type of data, for example:</a:t>
-            </a:r>
-            <a:r>
-              <a:rPr b="1" lang="es-MX" sz="1600" spc="-1" strike="noStrike">
-                <a:solidFill>
-                  <a:schemeClr val="dk1"/>
-                </a:solidFill>
-                <a:latin typeface="Bahnschrift SemiBold"/>
-              </a:rPr>
-              <a:t>:</a:t>
-            </a:r>
-            <a:endParaRPr b="0" lang="es-ES" sz="1600" spc="-1" strike="noStrike">
+              <a:t>The procedures are routines which perform a work or algorithm meanwhile other functions do not return any value, receive parameters, each one of them is a different type of data, for example::</a:t>
+            </a:r>
+            <a:endParaRPr b="0" lang="en-US" sz="1600" spc="-1" strike="noStrike">
               <a:solidFill>
                 <a:srgbClr val="000000"/>
               </a:solidFill>
@@ -7707,7 +7891,7 @@
               </a:tabLst>
             </a:pPr>
             <a:r>
-              <a:rPr b="1" lang="fr-FR" sz="1600" spc="-1" strike="noStrike">
+              <a:rPr b="1" lang="en-US" sz="1600" spc="-1" strike="noStrike">
                 <a:solidFill>
                   <a:schemeClr val="dk1"/>
                 </a:solidFill>
@@ -7715,7 +7899,7 @@
               </a:rPr>
               <a:t>Int</a:t>
             </a:r>
-            <a:endParaRPr b="0" lang="es-ES" sz="1600" spc="-1" strike="noStrike">
+            <a:endParaRPr b="0" lang="en-US" sz="1600" spc="-1" strike="noStrike">
               <a:solidFill>
                 <a:srgbClr val="000000"/>
               </a:solidFill>
@@ -7740,7 +7924,7 @@
               </a:tabLst>
             </a:pPr>
             <a:r>
-              <a:rPr b="1" lang="fr-FR" sz="1600" spc="-1" strike="noStrike">
+              <a:rPr b="1" lang="en-US" sz="1600" spc="-1" strike="noStrike">
                 <a:solidFill>
                   <a:schemeClr val="dk1"/>
                 </a:solidFill>
@@ -7748,7 +7932,7 @@
               </a:rPr>
               <a:t>Double</a:t>
             </a:r>
-            <a:endParaRPr b="0" lang="es-ES" sz="1600" spc="-1" strike="noStrike">
+            <a:endParaRPr b="0" lang="en-US" sz="1600" spc="-1" strike="noStrike">
               <a:solidFill>
                 <a:srgbClr val="000000"/>
               </a:solidFill>
@@ -7773,7 +7957,7 @@
               </a:tabLst>
             </a:pPr>
             <a:r>
-              <a:rPr b="1" lang="fr-FR" sz="1600" spc="-1" strike="noStrike">
+              <a:rPr b="1" lang="en-US" sz="1600" spc="-1" strike="noStrike">
                 <a:solidFill>
                   <a:schemeClr val="dk1"/>
                 </a:solidFill>
@@ -7781,7 +7965,7 @@
               </a:rPr>
               <a:t>Float</a:t>
             </a:r>
-            <a:endParaRPr b="0" lang="es-ES" sz="1600" spc="-1" strike="noStrike">
+            <a:endParaRPr b="0" lang="en-US" sz="1600" spc="-1" strike="noStrike">
               <a:solidFill>
                 <a:srgbClr val="000000"/>
               </a:solidFill>
@@ -7806,7 +7990,7 @@
               </a:tabLst>
             </a:pPr>
             <a:r>
-              <a:rPr b="1" lang="fr-FR" sz="1600" spc="-1" strike="noStrike">
+              <a:rPr b="1" lang="en-US" sz="1600" spc="-1" strike="noStrike">
                 <a:solidFill>
                   <a:schemeClr val="dk1"/>
                 </a:solidFill>
@@ -7814,7 +7998,7 @@
               </a:rPr>
               <a:t>Date</a:t>
             </a:r>
-            <a:endParaRPr b="0" lang="es-ES" sz="1600" spc="-1" strike="noStrike">
+            <a:endParaRPr b="0" lang="en-US" sz="1600" spc="-1" strike="noStrike">
               <a:solidFill>
                 <a:srgbClr val="000000"/>
               </a:solidFill>
@@ -7839,7 +8023,7 @@
               </a:tabLst>
             </a:pPr>
             <a:r>
-              <a:rPr b="1" lang="fr-FR" sz="1600" spc="-1" strike="noStrike">
+              <a:rPr b="1" lang="en-US" sz="1600" spc="-1" strike="noStrike">
                 <a:solidFill>
                   <a:schemeClr val="dk1"/>
                 </a:solidFill>
@@ -7847,7 +8031,7 @@
               </a:rPr>
               <a:t>Char</a:t>
             </a:r>
-            <a:endParaRPr b="0" lang="es-ES" sz="1600" spc="-1" strike="noStrike">
+            <a:endParaRPr b="0" lang="en-US" sz="1600" spc="-1" strike="noStrike">
               <a:solidFill>
                 <a:srgbClr val="000000"/>
               </a:solidFill>
@@ -7899,7 +8083,7 @@
         <p:spPr>
           <a:xfrm>
             <a:off x="838080" y="365040"/>
-            <a:ext cx="10514520" cy="1324440"/>
+            <a:ext cx="10514160" cy="1324080"/>
           </a:xfrm>
           <a:prstGeom prst="rect">
             <a:avLst/>
@@ -7924,7 +8108,7 @@
               </a:tabLst>
             </a:pPr>
             <a:r>
-              <a:rPr b="0" lang="es-ES" sz="4400" spc="-1" strike="noStrike">
+              <a:rPr b="0" lang="en-US" sz="4400" spc="-1" strike="noStrike">
                 <a:solidFill>
                   <a:schemeClr val="dk1"/>
                 </a:solidFill>
@@ -7932,7 +8116,7 @@
               </a:rPr>
               <a:t>Procedures</a:t>
             </a:r>
-            <a:endParaRPr b="0" lang="es-ES" sz="4400" spc="-1" strike="noStrike">
+            <a:endParaRPr b="0" lang="en-US" sz="4400" spc="-1" strike="noStrike">
               <a:solidFill>
                 <a:srgbClr val="000000"/>
               </a:solidFill>
@@ -7954,7 +8138,7 @@
         <p:spPr>
           <a:xfrm>
             <a:off x="838080" y="1825560"/>
-            <a:ext cx="10514520" cy="4350240"/>
+            <a:ext cx="10514160" cy="4349880"/>
           </a:xfrm>
           <a:prstGeom prst="rect">
             <a:avLst/>
@@ -7988,9 +8172,9 @@
                 </a:solidFill>
                 <a:latin typeface="Bahnschrift SemiBold"/>
               </a:rPr>
-              <a:t>The routine is a series of commands where it performs an algorithm or problem, and it tries to solve such problem which till the end of this same routine does not return any value. It receives parameters, and some of them are optional, others are mandatory.</a:t>
-            </a:r>
-            <a:endParaRPr b="0" lang="es-ES" sz="1600" spc="-1" strike="noStrike">
+              <a:t>The routine is a series of commands where it performs an algorithm or problem, and it tries to solve such problem. This routine does not return any value. It receives parameters, and some of them are optional, others are mandatory.</a:t>
+            </a:r>
+            <a:endParaRPr b="0" lang="en-US" sz="1600" spc="-1" strike="noStrike">
               <a:solidFill>
                 <a:srgbClr val="000000"/>
               </a:solidFill>
@@ -8010,7 +8194,7 @@
                 <a:tab algn="l" pos="0"/>
               </a:tabLst>
             </a:pPr>
-            <a:endParaRPr b="0" lang="es-ES" sz="1600" spc="-1" strike="noStrike">
+            <a:endParaRPr b="0" lang="en-US" sz="1600" spc="-1" strike="noStrike">
               <a:solidFill>
                 <a:srgbClr val="000000"/>
               </a:solidFill>
@@ -8062,7 +8246,7 @@
         <p:spPr>
           <a:xfrm>
             <a:off x="1523880" y="1122480"/>
-            <a:ext cx="9142920" cy="2386440"/>
+            <a:ext cx="9142560" cy="2386080"/>
           </a:xfrm>
           <a:prstGeom prst="rect">
             <a:avLst/>
@@ -8087,7 +8271,7 @@
               </a:tabLst>
             </a:pPr>
             <a:r>
-              <a:rPr b="0" lang="es-ES" sz="6000" spc="-1" strike="noStrike">
+              <a:rPr b="0" lang="en-US" sz="6000" spc="-1" strike="noStrike">
                 <a:solidFill>
                   <a:schemeClr val="dk1"/>
                 </a:solidFill>
@@ -8095,7 +8279,7 @@
               </a:rPr>
               <a:t>Classes</a:t>
             </a:r>
-            <a:endParaRPr b="0" lang="es-ES" sz="6000" spc="-1" strike="noStrike">
+            <a:endParaRPr b="0" lang="en-US" sz="6000" spc="-1" strike="noStrike">
               <a:solidFill>
                 <a:srgbClr val="000000"/>
               </a:solidFill>
@@ -8117,7 +8301,7 @@
         <p:spPr>
           <a:xfrm>
             <a:off x="1523880" y="3602160"/>
-            <a:ext cx="9142920" cy="1654560"/>
+            <a:ext cx="9142560" cy="1654200"/>
           </a:xfrm>
           <a:prstGeom prst="rect">
             <a:avLst/>
@@ -8135,7 +8319,7 @@
             <a:pPr indent="0" algn="ctr">
               <a:buNone/>
             </a:pPr>
-            <a:endParaRPr b="0" lang="es-ES" sz="1800" spc="-1" strike="noStrike">
+            <a:endParaRPr b="0" lang="en-US" sz="1800" spc="-1" strike="noStrike">
               <a:solidFill>
                 <a:srgbClr val="000000"/>
               </a:solidFill>
@@ -8187,7 +8371,7 @@
         <p:spPr>
           <a:xfrm>
             <a:off x="838080" y="365040"/>
-            <a:ext cx="10514520" cy="1324440"/>
+            <a:ext cx="10514160" cy="1324080"/>
           </a:xfrm>
           <a:prstGeom prst="rect">
             <a:avLst/>
@@ -8212,7 +8396,7 @@
               </a:tabLst>
             </a:pPr>
             <a:r>
-              <a:rPr b="0" lang="es-AR" sz="4400" spc="-1" strike="noStrike">
+              <a:rPr b="0" lang="en-US" sz="4400" spc="-1" strike="noStrike">
                 <a:solidFill>
                   <a:schemeClr val="dk1"/>
                 </a:solidFill>
@@ -8220,7 +8404,7 @@
               </a:rPr>
               <a:t>Encapsulation</a:t>
             </a:r>
-            <a:endParaRPr b="0" lang="es-ES" sz="4400" spc="-1" strike="noStrike">
+            <a:endParaRPr b="0" lang="en-US" sz="4400" spc="-1" strike="noStrike">
               <a:solidFill>
                 <a:srgbClr val="000000"/>
               </a:solidFill>
@@ -8242,7 +8426,7 @@
         <p:spPr>
           <a:xfrm>
             <a:off x="838080" y="1825560"/>
-            <a:ext cx="10514520" cy="4350240"/>
+            <a:ext cx="10514160" cy="4349880"/>
           </a:xfrm>
           <a:prstGeom prst="rect">
             <a:avLst/>
@@ -8276,18 +8460,9 @@
                 </a:solidFill>
                 <a:latin typeface="Bahnschrift SemiBold"/>
               </a:rPr>
-              <a:t>The encapsulation is for containing into one entity everything which it can do such entity, for example</a:t>
-            </a:r>
-            <a:r>
-              <a:rPr b="1" lang="es-MX" sz="1600" spc="-1" strike="noStrike">
-                <a:solidFill>
-                  <a:schemeClr val="dk1"/>
-                </a:solidFill>
-                <a:latin typeface="Bahnschrift SemiBold"/>
-              </a:rPr>
-              <a:t>:</a:t>
-            </a:r>
-            <a:endParaRPr b="0" lang="es-ES" sz="1600" spc="-1" strike="noStrike">
+              <a:t>The encapsulation is for containing into one entity everything which it can do such entity, for example:</a:t>
+            </a:r>
+            <a:endParaRPr b="0" lang="en-US" sz="1600" spc="-1" strike="noStrike">
               <a:solidFill>
                 <a:srgbClr val="000000"/>
               </a:solidFill>
@@ -8320,7 +8495,7 @@
               </a:rPr>
               <a:t>Class</a:t>
             </a:r>
-            <a:endParaRPr b="0" lang="es-ES" sz="1600" spc="-1" strike="noStrike">
+            <a:endParaRPr b="0" lang="en-US" sz="1600" spc="-1" strike="noStrike">
               <a:solidFill>
                 <a:srgbClr val="000000"/>
               </a:solidFill>
@@ -8353,7 +8528,7 @@
               </a:rPr>
               <a:t>Car</a:t>
             </a:r>
-            <a:endParaRPr b="0" lang="es-ES" sz="1600" spc="-1" strike="noStrike">
+            <a:endParaRPr b="0" lang="en-US" sz="1600" spc="-1" strike="noStrike">
               <a:solidFill>
                 <a:srgbClr val="000000"/>
               </a:solidFill>
@@ -8386,7 +8561,7 @@
               </a:rPr>
               <a:t>Property</a:t>
             </a:r>
-            <a:endParaRPr b="0" lang="es-ES" sz="1600" spc="-1" strike="noStrike">
+            <a:endParaRPr b="0" lang="en-US" sz="1600" spc="-1" strike="noStrike">
               <a:solidFill>
                 <a:srgbClr val="000000"/>
               </a:solidFill>
@@ -8419,7 +8594,7 @@
               </a:rPr>
               <a:t>Color</a:t>
             </a:r>
-            <a:endParaRPr b="0" lang="es-ES" sz="1600" spc="-1" strike="noStrike">
+            <a:endParaRPr b="0" lang="en-US" sz="1600" spc="-1" strike="noStrike">
               <a:solidFill>
                 <a:srgbClr val="000000"/>
               </a:solidFill>
@@ -8452,7 +8627,7 @@
               </a:rPr>
               <a:t>Type of Insurance</a:t>
             </a:r>
-            <a:endParaRPr b="0" lang="es-ES" sz="1600" spc="-1" strike="noStrike">
+            <a:endParaRPr b="0" lang="en-US" sz="1600" spc="-1" strike="noStrike">
               <a:solidFill>
                 <a:srgbClr val="000000"/>
               </a:solidFill>
@@ -8485,7 +8660,7 @@
               </a:rPr>
               <a:t>Method</a:t>
             </a:r>
-            <a:endParaRPr b="0" lang="es-ES" sz="1600" spc="-1" strike="noStrike">
+            <a:endParaRPr b="0" lang="en-US" sz="1600" spc="-1" strike="noStrike">
               <a:solidFill>
                 <a:srgbClr val="000000"/>
               </a:solidFill>
@@ -8518,7 +8693,7 @@
               </a:rPr>
               <a:t>Turn On</a:t>
             </a:r>
-            <a:endParaRPr b="0" lang="es-ES" sz="1600" spc="-1" strike="noStrike">
+            <a:endParaRPr b="0" lang="en-US" sz="1600" spc="-1" strike="noStrike">
               <a:solidFill>
                 <a:srgbClr val="000000"/>
               </a:solidFill>
@@ -8551,7 +8726,7 @@
               </a:rPr>
               <a:t>Stop</a:t>
             </a:r>
-            <a:endParaRPr b="0" lang="es-ES" sz="1600" spc="-1" strike="noStrike">
+            <a:endParaRPr b="0" lang="en-US" sz="1600" spc="-1" strike="noStrike">
               <a:solidFill>
                 <a:srgbClr val="000000"/>
               </a:solidFill>
@@ -8584,7 +8759,7 @@
               </a:rPr>
               <a:t>Park</a:t>
             </a:r>
-            <a:endParaRPr b="0" lang="es-ES" sz="1600" spc="-1" strike="noStrike">
+            <a:endParaRPr b="0" lang="en-US" sz="1600" spc="-1" strike="noStrike">
               <a:solidFill>
                 <a:srgbClr val="000000"/>
               </a:solidFill>
@@ -8604,7 +8779,7 @@
                 <a:tab algn="l" pos="0"/>
               </a:tabLst>
             </a:pPr>
-            <a:endParaRPr b="0" lang="es-ES" sz="1600" spc="-1" strike="noStrike">
+            <a:endParaRPr b="0" lang="en-US" sz="1600" spc="-1" strike="noStrike">
               <a:solidFill>
                 <a:srgbClr val="000000"/>
               </a:solidFill>
@@ -8656,7 +8831,7 @@
         <p:spPr>
           <a:xfrm>
             <a:off x="838080" y="365040"/>
-            <a:ext cx="10514520" cy="1324440"/>
+            <a:ext cx="10514160" cy="1324080"/>
           </a:xfrm>
           <a:prstGeom prst="rect">
             <a:avLst/>
@@ -8681,7 +8856,7 @@
               </a:tabLst>
             </a:pPr>
             <a:r>
-              <a:rPr b="0" lang="es-AR" sz="4400" spc="-1" strike="noStrike">
+              <a:rPr b="0" lang="en-US" sz="4400" spc="-1" strike="noStrike">
                 <a:solidFill>
                   <a:schemeClr val="dk1"/>
                 </a:solidFill>
@@ -8689,7 +8864,7 @@
               </a:rPr>
               <a:t>Constructor </a:t>
             </a:r>
-            <a:endParaRPr b="0" lang="es-ES" sz="4400" spc="-1" strike="noStrike">
+            <a:endParaRPr b="0" lang="en-US" sz="4400" spc="-1" strike="noStrike">
               <a:solidFill>
                 <a:srgbClr val="000000"/>
               </a:solidFill>
@@ -8711,7 +8886,7 @@
         <p:spPr>
           <a:xfrm>
             <a:off x="838080" y="1825560"/>
-            <a:ext cx="10514520" cy="4350240"/>
+            <a:ext cx="10514160" cy="4349880"/>
           </a:xfrm>
           <a:prstGeom prst="rect">
             <a:avLst/>
@@ -8747,7 +8922,7 @@
               </a:rPr>
               <a:t>The constructor is a intrinsic method of work which perform when it creates the instance of object. At the moment that creates an instance of class, it calls to this method by default. This used commonly to create the instance of the object.</a:t>
             </a:r>
-            <a:endParaRPr b="0" lang="es-ES" sz="1600" spc="-1" strike="noStrike">
+            <a:endParaRPr b="0" lang="en-US" sz="1600" spc="-1" strike="noStrike">
               <a:solidFill>
                 <a:srgbClr val="000000"/>
               </a:solidFill>
@@ -8767,7 +8942,7 @@
                 <a:tab algn="l" pos="0"/>
               </a:tabLst>
             </a:pPr>
-            <a:endParaRPr b="0" lang="es-ES" sz="1600" spc="-1" strike="noStrike">
+            <a:endParaRPr b="0" lang="en-US" sz="1600" spc="-1" strike="noStrike">
               <a:solidFill>
                 <a:srgbClr val="000000"/>
               </a:solidFill>
@@ -8796,7 +8971,7 @@
               </a:rPr>
               <a:t>The constructor can be overwritten in different ways so that it can give different instances of the same object, and from there, it can be called in different ways for creating different instances of the same class.</a:t>
             </a:r>
-            <a:endParaRPr b="0" lang="es-ES" sz="1600" spc="-1" strike="noStrike">
+            <a:endParaRPr b="0" lang="en-US" sz="1600" spc="-1" strike="noStrike">
               <a:solidFill>
                 <a:srgbClr val="000000"/>
               </a:solidFill>
@@ -8816,7 +8991,7 @@
                 <a:tab algn="l" pos="0"/>
               </a:tabLst>
             </a:pPr>
-            <a:endParaRPr b="0" lang="es-ES" sz="1600" spc="-1" strike="noStrike">
+            <a:endParaRPr b="0" lang="en-US" sz="1600" spc="-1" strike="noStrike">
               <a:solidFill>
                 <a:srgbClr val="000000"/>
               </a:solidFill>
@@ -8868,7 +9043,7 @@
         <p:spPr>
           <a:xfrm>
             <a:off x="838080" y="365040"/>
-            <a:ext cx="10514520" cy="1324440"/>
+            <a:ext cx="10514160" cy="1324080"/>
           </a:xfrm>
           <a:prstGeom prst="rect">
             <a:avLst/>
@@ -8893,7 +9068,7 @@
               </a:tabLst>
             </a:pPr>
             <a:r>
-              <a:rPr b="0" lang="es-AR" sz="4400" spc="-1" strike="noStrike">
+              <a:rPr b="0" lang="en-US" sz="4400" spc="-1" strike="noStrike">
                 <a:solidFill>
                   <a:schemeClr val="dk1"/>
                 </a:solidFill>
@@ -8901,7 +9076,7 @@
               </a:rPr>
               <a:t>Constructor </a:t>
             </a:r>
-            <a:endParaRPr b="0" lang="es-ES" sz="4400" spc="-1" strike="noStrike">
+            <a:endParaRPr b="0" lang="en-US" sz="4400" spc="-1" strike="noStrike">
               <a:solidFill>
                 <a:srgbClr val="000000"/>
               </a:solidFill>
@@ -8923,7 +9098,7 @@
         <p:spPr>
           <a:xfrm>
             <a:off x="838080" y="1825560"/>
-            <a:ext cx="10514520" cy="4350240"/>
+            <a:ext cx="10514160" cy="4349880"/>
           </a:xfrm>
           <a:prstGeom prst="rect">
             <a:avLst/>
@@ -8959,7 +9134,7 @@
               </a:rPr>
               <a:t>It means that it can create different similar objects of the same class.</a:t>
             </a:r>
-            <a:endParaRPr b="0" lang="es-ES" sz="1600" spc="-1" strike="noStrike">
+            <a:endParaRPr b="0" lang="en-US" sz="1600" spc="-1" strike="noStrike">
               <a:solidFill>
                 <a:srgbClr val="000000"/>
               </a:solidFill>
@@ -8979,7 +9154,7 @@
                 <a:tab algn="l" pos="0"/>
               </a:tabLst>
             </a:pPr>
-            <a:endParaRPr b="0" lang="es-ES" sz="1600" spc="-1" strike="noStrike">
+            <a:endParaRPr b="0" lang="en-US" sz="1600" spc="-1" strike="noStrike">
               <a:solidFill>
                 <a:srgbClr val="000000"/>
               </a:solidFill>
